--- a/Figures_Hochformat.pptx
+++ b/Figures_Hochformat.pptx
@@ -9586,42 +9586,6 @@
       </p:sp>
       <p:sp>
         <p:nvSpPr>
-          <p:cNvPr id="179" name="Textfeld 178">
-            <a:extLst>
-              <a:ext uri="{FF2B5EF4-FFF2-40B4-BE49-F238E27FC236}">
-                <a16:creationId xmlns:a16="http://schemas.microsoft.com/office/drawing/2014/main" id="{F8F66E5B-DD2E-41EE-9391-60E549744E12}"/>
-              </a:ext>
-            </a:extLst>
-          </p:cNvPr>
-          <p:cNvSpPr txBox="1"/>
-          <p:nvPr/>
-        </p:nvSpPr>
-        <p:spPr>
-          <a:xfrm>
-            <a:off x="5098098" y="11355609"/>
-            <a:ext cx="397866" cy="213585"/>
-          </a:xfrm>
-          <a:prstGeom prst="rect">
-            <a:avLst/>
-          </a:prstGeom>
-          <a:noFill/>
-        </p:spPr>
-        <p:txBody>
-          <a:bodyPr wrap="none" rtlCol="0">
-            <a:spAutoFit/>
-          </a:bodyPr>
-          <a:lstStyle/>
-          <a:p>
-            <a:r>
-              <a:rPr lang="de-AT" sz="788" dirty="0"/>
-              <a:t>[0..*]</a:t>
-            </a:r>
-            <a:endParaRPr lang="de-AT" sz="1013" dirty="0"/>
-          </a:p>
-        </p:txBody>
-      </p:sp>
-      <p:sp>
-        <p:nvSpPr>
           <p:cNvPr id="180" name="Textfeld 179">
             <a:extLst>
               <a:ext uri="{FF2B5EF4-FFF2-40B4-BE49-F238E27FC236}">
@@ -9634,7 +9598,7 @@
         </p:nvSpPr>
         <p:spPr>
           <a:xfrm>
-            <a:off x="3628118" y="7522263"/>
+            <a:off x="3420928" y="7689229"/>
             <a:ext cx="397866" cy="213585"/>
           </a:xfrm>
           <a:prstGeom prst="rect">

--- a/Figures_Hochformat.pptx
+++ b/Figures_Hochformat.pptx
@@ -251,7 +251,7 @@
           <a:p>
             <a:fld id="{221DF790-08EF-4309-8C7D-573F11C98FD5}" type="datetimeFigureOut">
               <a:rPr lang="de-AT" smtClean="0"/>
-              <a:t>14.02.2022</a:t>
+              <a:t>15.02.2022</a:t>
             </a:fld>
             <a:endParaRPr lang="de-AT"/>
           </a:p>
@@ -421,7 +421,7 @@
           <a:p>
             <a:fld id="{221DF790-08EF-4309-8C7D-573F11C98FD5}" type="datetimeFigureOut">
               <a:rPr lang="de-AT" smtClean="0"/>
-              <a:t>14.02.2022</a:t>
+              <a:t>15.02.2022</a:t>
             </a:fld>
             <a:endParaRPr lang="de-AT"/>
           </a:p>
@@ -601,7 +601,7 @@
           <a:p>
             <a:fld id="{221DF790-08EF-4309-8C7D-573F11C98FD5}" type="datetimeFigureOut">
               <a:rPr lang="de-AT" smtClean="0"/>
-              <a:t>14.02.2022</a:t>
+              <a:t>15.02.2022</a:t>
             </a:fld>
             <a:endParaRPr lang="de-AT"/>
           </a:p>
@@ -771,7 +771,7 @@
           <a:p>
             <a:fld id="{221DF790-08EF-4309-8C7D-573F11C98FD5}" type="datetimeFigureOut">
               <a:rPr lang="de-AT" smtClean="0"/>
-              <a:t>14.02.2022</a:t>
+              <a:t>15.02.2022</a:t>
             </a:fld>
             <a:endParaRPr lang="de-AT"/>
           </a:p>
@@ -1015,7 +1015,7 @@
           <a:p>
             <a:fld id="{221DF790-08EF-4309-8C7D-573F11C98FD5}" type="datetimeFigureOut">
               <a:rPr lang="de-AT" smtClean="0"/>
-              <a:t>14.02.2022</a:t>
+              <a:t>15.02.2022</a:t>
             </a:fld>
             <a:endParaRPr lang="de-AT"/>
           </a:p>
@@ -1247,7 +1247,7 @@
           <a:p>
             <a:fld id="{221DF790-08EF-4309-8C7D-573F11C98FD5}" type="datetimeFigureOut">
               <a:rPr lang="de-AT" smtClean="0"/>
-              <a:t>14.02.2022</a:t>
+              <a:t>15.02.2022</a:t>
             </a:fld>
             <a:endParaRPr lang="de-AT"/>
           </a:p>
@@ -1614,7 +1614,7 @@
           <a:p>
             <a:fld id="{221DF790-08EF-4309-8C7D-573F11C98FD5}" type="datetimeFigureOut">
               <a:rPr lang="de-AT" smtClean="0"/>
-              <a:t>14.02.2022</a:t>
+              <a:t>15.02.2022</a:t>
             </a:fld>
             <a:endParaRPr lang="de-AT"/>
           </a:p>
@@ -1732,7 +1732,7 @@
           <a:p>
             <a:fld id="{221DF790-08EF-4309-8C7D-573F11C98FD5}" type="datetimeFigureOut">
               <a:rPr lang="de-AT" smtClean="0"/>
-              <a:t>14.02.2022</a:t>
+              <a:t>15.02.2022</a:t>
             </a:fld>
             <a:endParaRPr lang="de-AT"/>
           </a:p>
@@ -1827,7 +1827,7 @@
           <a:p>
             <a:fld id="{221DF790-08EF-4309-8C7D-573F11C98FD5}" type="datetimeFigureOut">
               <a:rPr lang="de-AT" smtClean="0"/>
-              <a:t>14.02.2022</a:t>
+              <a:t>15.02.2022</a:t>
             </a:fld>
             <a:endParaRPr lang="de-AT"/>
           </a:p>
@@ -2104,7 +2104,7 @@
           <a:p>
             <a:fld id="{221DF790-08EF-4309-8C7D-573F11C98FD5}" type="datetimeFigureOut">
               <a:rPr lang="de-AT" smtClean="0"/>
-              <a:t>14.02.2022</a:t>
+              <a:t>15.02.2022</a:t>
             </a:fld>
             <a:endParaRPr lang="de-AT"/>
           </a:p>
@@ -2361,7 +2361,7 @@
           <a:p>
             <a:fld id="{221DF790-08EF-4309-8C7D-573F11C98FD5}" type="datetimeFigureOut">
               <a:rPr lang="de-AT" smtClean="0"/>
-              <a:t>14.02.2022</a:t>
+              <a:t>15.02.2022</a:t>
             </a:fld>
             <a:endParaRPr lang="de-AT"/>
           </a:p>
@@ -2574,7 +2574,7 @@
           <a:p>
             <a:fld id="{221DF790-08EF-4309-8C7D-573F11C98FD5}" type="datetimeFigureOut">
               <a:rPr lang="de-AT" smtClean="0"/>
-              <a:t>14.02.2022</a:t>
+              <a:t>15.02.2022</a:t>
             </a:fld>
             <a:endParaRPr lang="de-AT"/>
           </a:p>
@@ -5858,9 +5858,9 @@
         <p:grpSpPr>
           <a:xfrm>
             <a:off x="2164560" y="3499808"/>
-            <a:ext cx="1518258" cy="443692"/>
+            <a:ext cx="1518258" cy="453217"/>
             <a:chOff x="3484880" y="609600"/>
-            <a:chExt cx="2529840" cy="788786"/>
+            <a:chExt cx="2529840" cy="805719"/>
           </a:xfrm>
         </p:grpSpPr>
         <p:sp>
@@ -5878,7 +5878,7 @@
           <p:spPr>
             <a:xfrm>
               <a:off x="3484880" y="609600"/>
-              <a:ext cx="2529840" cy="428786"/>
+              <a:ext cx="2529840" cy="448000"/>
             </a:xfrm>
             <a:prstGeom prst="rect">
               <a:avLst/>
@@ -5941,7 +5941,7 @@
           </p:nvSpPr>
           <p:spPr>
             <a:xfrm>
-              <a:off x="3484880" y="1038386"/>
+              <a:off x="3484880" y="1055319"/>
               <a:ext cx="2529840" cy="360000"/>
             </a:xfrm>
             <a:prstGeom prst="rect">
@@ -6000,9 +6000,9 @@
         <p:grpSpPr>
           <a:xfrm>
             <a:off x="2164361" y="5630327"/>
-            <a:ext cx="1573055" cy="536358"/>
+            <a:ext cx="1573055" cy="526833"/>
             <a:chOff x="3484880" y="609600"/>
-            <a:chExt cx="2529840" cy="857572"/>
+            <a:chExt cx="2529840" cy="842343"/>
           </a:xfrm>
         </p:grpSpPr>
         <p:sp>
@@ -6020,6 +6020,73 @@
           <p:spPr>
             <a:xfrm>
               <a:off x="3484880" y="609600"/>
+              <a:ext cx="2529840" cy="402918"/>
+            </a:xfrm>
+            <a:prstGeom prst="rect">
+              <a:avLst/>
+            </a:prstGeom>
+            <a:noFill/>
+            <a:ln w="9525" cap="flat" cmpd="sng" algn="ctr">
+              <a:solidFill>
+                <a:schemeClr val="dk1"/>
+              </a:solidFill>
+              <a:prstDash val="solid"/>
+              <a:round/>
+              <a:headEnd type="none" w="med" len="med"/>
+              <a:tailEnd type="arrow" w="med" len="med"/>
+            </a:ln>
+          </p:spPr>
+          <p:style>
+            <a:lnRef idx="0">
+              <a:scrgbClr r="0" g="0" b="0"/>
+            </a:lnRef>
+            <a:fillRef idx="0">
+              <a:scrgbClr r="0" g="0" b="0"/>
+            </a:fillRef>
+            <a:effectRef idx="0">
+              <a:scrgbClr r="0" g="0" b="0"/>
+            </a:effectRef>
+            <a:fontRef idx="minor">
+              <a:schemeClr val="dk1"/>
+            </a:fontRef>
+          </p:style>
+          <p:txBody>
+            <a:bodyPr rtlCol="0" anchor="ctr"/>
+            <a:lstStyle/>
+            <a:p>
+              <a:pPr algn="ctr"/>
+              <a:r>
+                <a:rPr lang="de-AT" sz="1013" b="1" dirty="0" err="1">
+                  <a:latin typeface="Arial" panose="020B0604020202020204" pitchFamily="34" charset="0"/>
+                  <a:cs typeface="Arial" panose="020B0604020202020204" pitchFamily="34" charset="0"/>
+                </a:rPr>
+                <a:t>FunctionBlock</a:t>
+              </a:r>
+              <a:r>
+                <a:rPr lang="de-AT" sz="1013" b="1" dirty="0">
+                  <a:latin typeface="Arial" panose="020B0604020202020204" pitchFamily="34" charset="0"/>
+                  <a:cs typeface="Arial" panose="020B0604020202020204" pitchFamily="34" charset="0"/>
+                </a:rPr>
+                <a:t> Model</a:t>
+              </a:r>
+            </a:p>
+          </p:txBody>
+        </p:sp>
+        <p:sp>
+          <p:nvSpPr>
+            <p:cNvPr id="10" name="Rechteck 9">
+              <a:extLst>
+                <a:ext uri="{FF2B5EF4-FFF2-40B4-BE49-F238E27FC236}">
+                  <a16:creationId xmlns:a16="http://schemas.microsoft.com/office/drawing/2014/main" id="{82B7E356-DF17-4979-A139-02CD4F78022B}"/>
+                </a:ext>
+              </a:extLst>
+            </p:cNvPr>
+            <p:cNvSpPr/>
+            <p:nvPr/>
+          </p:nvSpPr>
+          <p:spPr>
+            <a:xfrm>
+              <a:off x="3484880" y="1023157"/>
               <a:ext cx="2529840" cy="428786"/>
             </a:xfrm>
             <a:prstGeom prst="rect">
@@ -6054,73 +6121,6 @@
             <a:bodyPr rtlCol="0" anchor="ctr"/>
             <a:lstStyle/>
             <a:p>
-              <a:pPr algn="ctr"/>
-              <a:r>
-                <a:rPr lang="de-AT" sz="1013" b="1" dirty="0" err="1">
-                  <a:latin typeface="Arial" panose="020B0604020202020204" pitchFamily="34" charset="0"/>
-                  <a:cs typeface="Arial" panose="020B0604020202020204" pitchFamily="34" charset="0"/>
-                </a:rPr>
-                <a:t>FunctionBlock</a:t>
-              </a:r>
-              <a:r>
-                <a:rPr lang="de-AT" sz="1013" b="1" dirty="0">
-                  <a:latin typeface="Arial" panose="020B0604020202020204" pitchFamily="34" charset="0"/>
-                  <a:cs typeface="Arial" panose="020B0604020202020204" pitchFamily="34" charset="0"/>
-                </a:rPr>
-                <a:t> Model</a:t>
-              </a:r>
-            </a:p>
-          </p:txBody>
-        </p:sp>
-        <p:sp>
-          <p:nvSpPr>
-            <p:cNvPr id="10" name="Rechteck 9">
-              <a:extLst>
-                <a:ext uri="{FF2B5EF4-FFF2-40B4-BE49-F238E27FC236}">
-                  <a16:creationId xmlns:a16="http://schemas.microsoft.com/office/drawing/2014/main" id="{82B7E356-DF17-4979-A139-02CD4F78022B}"/>
-                </a:ext>
-              </a:extLst>
-            </p:cNvPr>
-            <p:cNvSpPr/>
-            <p:nvPr/>
-          </p:nvSpPr>
-          <p:spPr>
-            <a:xfrm>
-              <a:off x="3484880" y="1038386"/>
-              <a:ext cx="2529840" cy="428786"/>
-            </a:xfrm>
-            <a:prstGeom prst="rect">
-              <a:avLst/>
-            </a:prstGeom>
-            <a:noFill/>
-            <a:ln w="9525" cap="flat" cmpd="sng" algn="ctr">
-              <a:solidFill>
-                <a:schemeClr val="dk1"/>
-              </a:solidFill>
-              <a:prstDash val="solid"/>
-              <a:round/>
-              <a:headEnd type="none" w="med" len="med"/>
-              <a:tailEnd type="arrow" w="med" len="med"/>
-            </a:ln>
-          </p:spPr>
-          <p:style>
-            <a:lnRef idx="0">
-              <a:scrgbClr r="0" g="0" b="0"/>
-            </a:lnRef>
-            <a:fillRef idx="0">
-              <a:scrgbClr r="0" g="0" b="0"/>
-            </a:fillRef>
-            <a:effectRef idx="0">
-              <a:scrgbClr r="0" g="0" b="0"/>
-            </a:effectRef>
-            <a:fontRef idx="minor">
-              <a:schemeClr val="dk1"/>
-            </a:fontRef>
-          </p:style>
-          <p:txBody>
-            <a:bodyPr rtlCol="0" anchor="ctr"/>
-            <a:lstStyle/>
-            <a:p>
               <a:r>
                 <a:rPr lang="de-AT" sz="900" i="1" dirty="0">
                   <a:latin typeface="Arial" panose="020B0604020202020204" pitchFamily="34" charset="0"/>
@@ -6191,10 +6191,10 @@
         </p:nvGrpSpPr>
         <p:grpSpPr>
           <a:xfrm>
-            <a:off x="2342488" y="6794488"/>
-            <a:ext cx="1221004" cy="556266"/>
+            <a:off x="2342488" y="6794490"/>
+            <a:ext cx="1221004" cy="461016"/>
             <a:chOff x="6014721" y="2009063"/>
-            <a:chExt cx="2529840" cy="674382"/>
+            <a:chExt cx="2529840" cy="558906"/>
           </a:xfrm>
         </p:grpSpPr>
         <p:sp>
@@ -6212,7 +6212,7 @@
           <p:spPr>
             <a:xfrm>
               <a:off x="6014721" y="2009063"/>
-              <a:ext cx="2529840" cy="428786"/>
+              <a:ext cx="2529840" cy="305509"/>
             </a:xfrm>
             <a:prstGeom prst="rect">
               <a:avLst/>
@@ -6275,7 +6275,7 @@
           </p:nvSpPr>
           <p:spPr>
             <a:xfrm>
-              <a:off x="6014721" y="2437947"/>
+              <a:off x="6014721" y="2322471"/>
               <a:ext cx="2529840" cy="245498"/>
             </a:xfrm>
             <a:prstGeom prst="rect">
@@ -6329,15 +6329,15 @@
           </p:cNvPr>
           <p:cNvCxnSpPr>
             <a:cxnSpLocks/>
-            <a:stCxn id="10" idx="2"/>
+            <a:stCxn id="83" idx="2"/>
             <a:endCxn id="21" idx="0"/>
           </p:cNvCxnSpPr>
           <p:nvPr/>
         </p:nvCxnSpPr>
         <p:spPr>
           <a:xfrm rot="16200000" flipH="1">
-            <a:off x="2638038" y="6479535"/>
-            <a:ext cx="627803" cy="2101"/>
+            <a:off x="2712287" y="6553786"/>
+            <a:ext cx="479935" cy="1472"/>
           </a:xfrm>
           <a:prstGeom prst="bentConnector3">
             <a:avLst>
@@ -6371,9 +6371,9 @@
         <p:grpSpPr>
           <a:xfrm>
             <a:off x="2037263" y="4437323"/>
-            <a:ext cx="1815315" cy="852902"/>
+            <a:ext cx="1815315" cy="871953"/>
             <a:chOff x="3484880" y="609600"/>
-            <a:chExt cx="2529840" cy="1584925"/>
+            <a:chExt cx="2529840" cy="1620326"/>
           </a:xfrm>
         </p:grpSpPr>
         <p:sp>
@@ -6391,7 +6391,7 @@
           <p:spPr>
             <a:xfrm>
               <a:off x="3484880" y="609600"/>
-              <a:ext cx="2529840" cy="428786"/>
+              <a:ext cx="2529840" cy="468285"/>
             </a:xfrm>
             <a:prstGeom prst="rect">
               <a:avLst/>
@@ -6454,7 +6454,7 @@
           </p:nvSpPr>
           <p:spPr>
             <a:xfrm>
-              <a:off x="3484880" y="1038385"/>
+              <a:off x="3484880" y="1073786"/>
               <a:ext cx="2529840" cy="1156140"/>
             </a:xfrm>
             <a:prstGeom prst="rect">
@@ -6617,8 +6617,8 @@
         </p:nvCxnSpPr>
         <p:spPr>
           <a:xfrm rot="16200000" flipH="1">
-            <a:off x="2777854" y="5457292"/>
-            <a:ext cx="340102" cy="5968"/>
+            <a:off x="2787380" y="5466817"/>
+            <a:ext cx="321051" cy="5968"/>
           </a:xfrm>
           <a:prstGeom prst="bentConnector3">
             <a:avLst>
@@ -6651,10 +6651,10 @@
         </p:nvGrpSpPr>
         <p:grpSpPr>
           <a:xfrm>
-            <a:off x="2898215" y="3956400"/>
-            <a:ext cx="101250" cy="480923"/>
-            <a:chOff x="5297652" y="-514090"/>
-            <a:chExt cx="162655" cy="912316"/>
+            <a:off x="2891865" y="3975450"/>
+            <a:ext cx="101250" cy="461872"/>
+            <a:chOff x="5287451" y="-477952"/>
+            <a:chExt cx="162655" cy="876176"/>
           </a:xfrm>
         </p:grpSpPr>
         <p:sp>
@@ -6671,7 +6671,7 @@
           </p:nvSpPr>
           <p:spPr>
             <a:xfrm flipH="1">
-              <a:off x="5297652" y="-514090"/>
+              <a:off x="5287451" y="-477952"/>
               <a:ext cx="162655" cy="268901"/>
             </a:xfrm>
             <a:prstGeom prst="diamond">
@@ -6719,9 +6719,9 @@
             <p:nvPr/>
           </p:nvCxnSpPr>
           <p:spPr>
-            <a:xfrm rot="5400000">
-              <a:off x="5054126" y="73371"/>
-              <a:ext cx="643415" cy="6296"/>
+            <a:xfrm rot="16200000" flipH="1">
+              <a:off x="5067093" y="92633"/>
+              <a:ext cx="607277" cy="3905"/>
             </a:xfrm>
             <a:prstGeom prst="bentConnector3">
               <a:avLst>
@@ -6755,8 +6755,8 @@
         </p:nvSpPr>
         <p:spPr>
           <a:xfrm>
-            <a:off x="2571998" y="4247397"/>
-            <a:ext cx="397866" cy="213585"/>
+            <a:off x="2870959" y="4114696"/>
+            <a:ext cx="295274" cy="213585"/>
           </a:xfrm>
           <a:prstGeom prst="rect">
             <a:avLst/>
@@ -6778,7 +6778,7 @@
           <a:p>
             <a:r>
               <a:rPr lang="de-AT" sz="788" dirty="0"/>
-              <a:t>[0..*]</a:t>
+              <a:t>[*]</a:t>
             </a:r>
           </a:p>
         </p:txBody>
@@ -6797,7 +6797,7 @@
         </p:nvSpPr>
         <p:spPr>
           <a:xfrm>
-            <a:off x="3043860" y="5397331"/>
+            <a:off x="2920313" y="5378154"/>
             <a:ext cx="604653" cy="213585"/>
           </a:xfrm>
           <a:prstGeom prst="rect">
@@ -6839,10 +6839,10 @@
         </p:nvGrpSpPr>
         <p:grpSpPr>
           <a:xfrm>
-            <a:off x="4159294" y="3482011"/>
-            <a:ext cx="1275750" cy="461489"/>
-            <a:chOff x="3484880" y="609600"/>
-            <a:chExt cx="2529840" cy="857572"/>
+            <a:off x="4159294" y="3482010"/>
+            <a:ext cx="1275750" cy="480540"/>
+            <a:chOff x="3484880" y="609598"/>
+            <a:chExt cx="2529840" cy="892974"/>
           </a:xfrm>
         </p:grpSpPr>
         <p:sp>
@@ -6859,8 +6859,8 @@
           </p:nvSpPr>
           <p:spPr>
             <a:xfrm>
-              <a:off x="3484880" y="609600"/>
-              <a:ext cx="2529840" cy="428786"/>
+              <a:off x="3484880" y="609598"/>
+              <a:ext cx="2529840" cy="468284"/>
             </a:xfrm>
             <a:prstGeom prst="rect">
               <a:avLst/>
@@ -6919,8 +6919,8 @@
           </p:nvSpPr>
           <p:spPr>
             <a:xfrm>
-              <a:off x="3484880" y="1038386"/>
-              <a:ext cx="2529840" cy="428786"/>
+              <a:off x="3484880" y="1073787"/>
+              <a:ext cx="2529840" cy="428785"/>
             </a:xfrm>
             <a:prstGeom prst="rect">
               <a:avLst/>
@@ -7001,12 +7001,12 @@
         </p:nvCxnSpPr>
         <p:spPr>
           <a:xfrm rot="10800000" flipH="1" flipV="1">
-            <a:off x="2037262" y="4979145"/>
-            <a:ext cx="305225" cy="1992185"/>
+            <a:off x="2037262" y="4998196"/>
+            <a:ext cx="305225" cy="1922291"/>
           </a:xfrm>
           <a:prstGeom prst="bentConnector3">
             <a:avLst>
-              <a:gd name="adj1" fmla="val -207211"/>
+              <a:gd name="adj1" fmla="val -152912"/>
             </a:avLst>
           </a:prstGeom>
           <a:noFill/>
@@ -7035,7 +7035,7 @@
         </p:nvSpPr>
         <p:spPr>
           <a:xfrm>
-            <a:off x="1363866" y="6586809"/>
+            <a:off x="1342484" y="6920671"/>
             <a:ext cx="806631" cy="334835"/>
           </a:xfrm>
           <a:prstGeom prst="rect">
@@ -7083,7 +7083,7 @@
         <p:grpSpPr>
           <a:xfrm>
             <a:off x="4126944" y="4205562"/>
-            <a:ext cx="1369020" cy="1118713"/>
+            <a:ext cx="1511856" cy="1118713"/>
             <a:chOff x="3484880" y="609600"/>
             <a:chExt cx="2529840" cy="2078875"/>
           </a:xfrm>
@@ -7139,25 +7139,25 @@
             <a:p>
               <a:pPr algn="ctr"/>
               <a:r>
-                <a:rPr lang="de-AT" sz="1013" b="1" dirty="0">
-                  <a:latin typeface="Arial" panose="020B0604020202020204" pitchFamily="34" charset="0"/>
-                  <a:cs typeface="Arial" panose="020B0604020202020204" pitchFamily="34" charset="0"/>
-                </a:rPr>
-                <a:t>&lt;</a:t>
-              </a:r>
-              <a:r>
-                <a:rPr lang="de-AT" sz="1013" b="1" dirty="0" err="1">
+                <a:rPr lang="de-AT" sz="1013" b="1" i="1" dirty="0">
+                  <a:latin typeface="Arial" panose="020B0604020202020204" pitchFamily="34" charset="0"/>
+                  <a:cs typeface="Arial" panose="020B0604020202020204" pitchFamily="34" charset="0"/>
+                </a:rPr>
+                <a:t>&lt;&lt;</a:t>
+              </a:r>
+              <a:r>
+                <a:rPr lang="de-AT" sz="1013" b="1" i="1" dirty="0" err="1">
                   <a:latin typeface="Arial" panose="020B0604020202020204" pitchFamily="34" charset="0"/>
                   <a:cs typeface="Arial" panose="020B0604020202020204" pitchFamily="34" charset="0"/>
                 </a:rPr>
                 <a:t>abstract</a:t>
               </a:r>
               <a:r>
-                <a:rPr lang="de-AT" sz="1013" b="1" dirty="0">
-                  <a:latin typeface="Arial" panose="020B0604020202020204" pitchFamily="34" charset="0"/>
-                  <a:cs typeface="Arial" panose="020B0604020202020204" pitchFamily="34" charset="0"/>
-                </a:rPr>
-                <a:t>&gt; Model</a:t>
+                <a:rPr lang="de-AT" sz="1013" b="1" i="1" dirty="0">
+                  <a:latin typeface="Arial" panose="020B0604020202020204" pitchFamily="34" charset="0"/>
+                  <a:cs typeface="Arial" panose="020B0604020202020204" pitchFamily="34" charset="0"/>
+                </a:rPr>
+                <a:t>&gt;&gt; Model</a:t>
               </a:r>
             </a:p>
           </p:txBody>
@@ -7571,12 +7571,12 @@
         </p:nvCxnSpPr>
         <p:spPr>
           <a:xfrm rot="10800000" flipV="1">
-            <a:off x="2164361" y="5764416"/>
-            <a:ext cx="12700" cy="268179"/>
+            <a:off x="2164361" y="5756327"/>
+            <a:ext cx="12700" cy="266744"/>
           </a:xfrm>
           <a:prstGeom prst="bentConnector3">
             <a:avLst>
-              <a:gd name="adj1" fmla="val 1800000"/>
+              <a:gd name="adj1" fmla="val 3300000"/>
             </a:avLst>
           </a:prstGeom>
           <a:noFill/>
@@ -7605,8 +7605,8 @@
         </p:nvSpPr>
         <p:spPr>
           <a:xfrm>
-            <a:off x="1393310" y="5554618"/>
-            <a:ext cx="851515" cy="213585"/>
+            <a:off x="1648118" y="5450731"/>
+            <a:ext cx="652743" cy="334835"/>
           </a:xfrm>
           <a:prstGeom prst="rect">
             <a:avLst/>
@@ -7628,13 +7628,15 @@
           <a:p>
             <a:r>
               <a:rPr lang="de-AT" sz="788" dirty="0"/>
-              <a:t>[0..1] </a:t>
-            </a:r>
-            <a:r>
-              <a:rPr lang="de-AT" sz="788" dirty="0" err="1"/>
-              <a:t>superType</a:t>
-            </a:r>
-            <a:endParaRPr lang="de-AT" sz="788" dirty="0"/>
+              <a:t>[0..1] super</a:t>
+            </a:r>
+            <a:br>
+              <a:rPr lang="de-AT" sz="788" dirty="0"/>
+            </a:br>
+            <a:r>
+              <a:rPr lang="de-AT" sz="788" dirty="0"/>
+              <a:t>Type</a:t>
+            </a:r>
           </a:p>
         </p:txBody>
       </p:sp>
@@ -7652,8 +7654,8 @@
         </p:nvSpPr>
         <p:spPr>
           <a:xfrm>
-            <a:off x="2879680" y="6441361"/>
-            <a:ext cx="982961" cy="213585"/>
+            <a:off x="2920313" y="6365980"/>
+            <a:ext cx="763351" cy="334835"/>
           </a:xfrm>
           <a:prstGeom prst="rect">
             <a:avLst/>
@@ -7679,9 +7681,15 @@
             </a:r>
             <a:r>
               <a:rPr lang="de-AT" sz="788" dirty="0" err="1"/>
-              <a:t>functionBlock</a:t>
-            </a:r>
-            <a:endParaRPr lang="de-AT" sz="788" dirty="0"/>
+              <a:t>function</a:t>
+            </a:r>
+            <a:br>
+              <a:rPr lang="de-AT" sz="788" dirty="0"/>
+            </a:br>
+            <a:r>
+              <a:rPr lang="de-AT" sz="788" dirty="0"/>
+              <a:t>Block</a:t>
+            </a:r>
           </a:p>
         </p:txBody>
       </p:sp>
@@ -7804,7 +7812,7 @@
         <p:spPr>
           <a:xfrm>
             <a:off x="4692119" y="5468072"/>
-            <a:ext cx="856325" cy="213585"/>
+            <a:ext cx="753732" cy="213585"/>
           </a:xfrm>
           <a:prstGeom prst="rect">
             <a:avLst/>
@@ -7826,7 +7834,7 @@
           <a:p>
             <a:r>
               <a:rPr lang="de-AT" sz="788" dirty="0"/>
-              <a:t>[0..*] </a:t>
+              <a:t>[*] </a:t>
             </a:r>
             <a:r>
               <a:rPr lang="de-AT" sz="788" dirty="0" err="1"/>
@@ -7854,12 +7862,12 @@
         </p:nvCxnSpPr>
         <p:spPr>
           <a:xfrm rot="10800000">
-            <a:off x="3682819" y="3842250"/>
-            <a:ext cx="344395" cy="1145752"/>
+            <a:off x="3682819" y="3851776"/>
+            <a:ext cx="344395" cy="1136227"/>
           </a:xfrm>
           <a:prstGeom prst="bentConnector3">
             <a:avLst>
-              <a:gd name="adj1" fmla="val 25109"/>
+              <a:gd name="adj1" fmla="val 36172"/>
             </a:avLst>
           </a:prstGeom>
           <a:noFill/>
@@ -7892,12 +7900,12 @@
         </p:nvCxnSpPr>
         <p:spPr>
           <a:xfrm rot="10800000" flipV="1">
-            <a:off x="3737417" y="4988002"/>
-            <a:ext cx="289797" cy="1044594"/>
+            <a:off x="3737417" y="4988001"/>
+            <a:ext cx="289797" cy="1035069"/>
           </a:xfrm>
           <a:prstGeom prst="bentConnector3">
             <a:avLst>
-              <a:gd name="adj1" fmla="val 26993"/>
+              <a:gd name="adj1" fmla="val 40140"/>
             </a:avLst>
           </a:prstGeom>
           <a:noFill/>
@@ -7985,10 +7993,10 @@
         </p:nvGrpSpPr>
         <p:grpSpPr>
           <a:xfrm>
-            <a:off x="1460688" y="8244744"/>
-            <a:ext cx="1275750" cy="455839"/>
+            <a:off x="1460688" y="8244741"/>
+            <a:ext cx="1275750" cy="484414"/>
             <a:chOff x="6014721" y="2009063"/>
-            <a:chExt cx="2529840" cy="552631"/>
+            <a:chExt cx="2529840" cy="587275"/>
           </a:xfrm>
         </p:grpSpPr>
         <p:sp>
@@ -8006,7 +8014,7 @@
           <p:spPr>
             <a:xfrm>
               <a:off x="6014721" y="2009063"/>
-              <a:ext cx="2529840" cy="270048"/>
+              <a:ext cx="2529840" cy="305509"/>
             </a:xfrm>
             <a:prstGeom prst="rect">
               <a:avLst/>
@@ -8069,7 +8077,7 @@
           </p:nvSpPr>
           <p:spPr>
             <a:xfrm>
-              <a:off x="6014721" y="2282052"/>
+              <a:off x="6014721" y="2316696"/>
               <a:ext cx="2529840" cy="279642"/>
             </a:xfrm>
             <a:prstGeom prst="rect">
@@ -8148,9 +8156,9 @@
         <p:grpSpPr>
           <a:xfrm>
             <a:off x="2787063" y="7979989"/>
-            <a:ext cx="1275750" cy="1497746"/>
+            <a:ext cx="1275750" cy="1392971"/>
             <a:chOff x="6014721" y="2009063"/>
-            <a:chExt cx="2529840" cy="1815772"/>
+            <a:chExt cx="2529840" cy="1688750"/>
           </a:xfrm>
         </p:grpSpPr>
         <p:sp>
@@ -8168,7 +8176,7 @@
           <p:spPr>
             <a:xfrm>
               <a:off x="6014721" y="2009063"/>
-              <a:ext cx="2529840" cy="428786"/>
+              <a:ext cx="2529840" cy="305509"/>
             </a:xfrm>
             <a:prstGeom prst="rect">
               <a:avLst/>
@@ -8231,8 +8239,8 @@
           </p:nvSpPr>
           <p:spPr>
             <a:xfrm>
-              <a:off x="6014721" y="2437947"/>
-              <a:ext cx="2529840" cy="1386888"/>
+              <a:off x="6014721" y="2310924"/>
+              <a:ext cx="2529840" cy="1386889"/>
             </a:xfrm>
             <a:prstGeom prst="rect">
               <a:avLst/>
@@ -8468,9 +8476,9 @@
         <p:grpSpPr>
           <a:xfrm>
             <a:off x="4220214" y="7837621"/>
-            <a:ext cx="1275750" cy="1640114"/>
+            <a:ext cx="1275750" cy="1668689"/>
             <a:chOff x="6014721" y="2009063"/>
-            <a:chExt cx="2529840" cy="1988368"/>
+            <a:chExt cx="2529840" cy="2023010"/>
           </a:xfrm>
         </p:grpSpPr>
         <p:sp>
@@ -8488,7 +8496,7 @@
           <p:spPr>
             <a:xfrm>
               <a:off x="6014721" y="2009063"/>
-              <a:ext cx="2529840" cy="270048"/>
+              <a:ext cx="2529840" cy="305508"/>
             </a:xfrm>
             <a:prstGeom prst="rect">
               <a:avLst/>
@@ -8551,7 +8559,7 @@
           </p:nvSpPr>
           <p:spPr>
             <a:xfrm>
-              <a:off x="6014721" y="2278946"/>
+              <a:off x="6014721" y="2313588"/>
               <a:ext cx="2529840" cy="1718485"/>
             </a:xfrm>
             <a:prstGeom prst="rect">
@@ -8807,10 +8815,10 @@
         </p:nvGrpSpPr>
         <p:grpSpPr>
           <a:xfrm rot="16200000">
-            <a:off x="3686453" y="6665985"/>
-            <a:ext cx="1058432" cy="1284839"/>
-            <a:chOff x="4702798" y="-5331723"/>
-            <a:chExt cx="1645033" cy="3680484"/>
+            <a:off x="3686453" y="6665986"/>
+            <a:ext cx="1058433" cy="1284840"/>
+            <a:chOff x="4702796" y="-5331723"/>
+            <a:chExt cx="1645035" cy="3680486"/>
           </a:xfrm>
         </p:grpSpPr>
         <p:sp>
@@ -8876,8 +8884,8 @@
           </p:nvCxnSpPr>
           <p:spPr>
             <a:xfrm rot="5400000">
-              <a:off x="3839895" y="-4080491"/>
-              <a:ext cx="3292155" cy="1566350"/>
+              <a:off x="3839895" y="-4080490"/>
+              <a:ext cx="3292154" cy="1566351"/>
             </a:xfrm>
             <a:prstGeom prst="bentConnector2">
               <a:avLst/>
@@ -8909,10 +8917,10 @@
         </p:nvGrpSpPr>
         <p:grpSpPr>
           <a:xfrm rot="16200000">
-            <a:off x="3792990" y="6772523"/>
-            <a:ext cx="837675" cy="1292522"/>
-            <a:chOff x="5005290" y="-5362246"/>
-            <a:chExt cx="1301923" cy="3702480"/>
+            <a:off x="3792991" y="6772524"/>
+            <a:ext cx="837674" cy="1292523"/>
+            <a:chOff x="5005291" y="-5362246"/>
+            <a:chExt cx="1301922" cy="3702482"/>
           </a:xfrm>
         </p:grpSpPr>
         <p:sp>
@@ -8978,8 +8986,8 @@
           </p:nvCxnSpPr>
           <p:spPr>
             <a:xfrm rot="5400000">
-              <a:off x="3959837" y="-3928460"/>
-              <a:ext cx="3314147" cy="1223242"/>
+              <a:off x="3959835" y="-3928460"/>
+              <a:ext cx="3314152" cy="1223240"/>
             </a:xfrm>
             <a:prstGeom prst="bentConnector2">
               <a:avLst/>
@@ -9011,10 +9019,10 @@
         </p:nvGrpSpPr>
         <p:grpSpPr>
           <a:xfrm rot="16200000">
-            <a:off x="3899517" y="6879050"/>
-            <a:ext cx="624175" cy="1292969"/>
-            <a:chOff x="5348581" y="-5275597"/>
-            <a:chExt cx="970095" cy="3680207"/>
+            <a:off x="3884339" y="6863871"/>
+            <a:ext cx="655648" cy="1291851"/>
+            <a:chOff x="5348577" y="-5272419"/>
+            <a:chExt cx="1019009" cy="3677026"/>
           </a:xfrm>
         </p:grpSpPr>
         <p:sp>
@@ -9031,8 +9039,8 @@
           </p:nvSpPr>
           <p:spPr>
             <a:xfrm flipH="1">
-              <a:off x="6161312" y="-5275597"/>
-              <a:ext cx="157364" cy="388331"/>
+              <a:off x="6210221" y="-5272419"/>
+              <a:ext cx="157365" cy="388332"/>
             </a:xfrm>
             <a:prstGeom prst="diamond">
               <a:avLst/>
@@ -9080,8 +9088,8 @@
           </p:nvCxnSpPr>
           <p:spPr>
             <a:xfrm rot="5400000">
-              <a:off x="4148350" y="-3687033"/>
-              <a:ext cx="3291874" cy="891412"/>
+              <a:off x="4174393" y="-3709903"/>
+              <a:ext cx="3288694" cy="940326"/>
             </a:xfrm>
             <a:prstGeom prst="bentConnector2">
               <a:avLst/>
@@ -9113,8 +9121,8 @@
         </p:nvSpPr>
         <p:spPr>
           <a:xfrm>
-            <a:off x="3651209" y="7068457"/>
-            <a:ext cx="668773" cy="213585"/>
+            <a:off x="3632159" y="7068457"/>
+            <a:ext cx="566181" cy="213585"/>
           </a:xfrm>
           <a:prstGeom prst="rect">
             <a:avLst/>
@@ -9129,7 +9137,7 @@
           <a:p>
             <a:r>
               <a:rPr lang="de-AT" sz="788" dirty="0"/>
-              <a:t>[0..*] </a:t>
+              <a:t>[*] </a:t>
             </a:r>
             <a:r>
               <a:rPr lang="de-AT" sz="788" dirty="0" err="1"/>
@@ -9153,8 +9161,8 @@
         </p:nvSpPr>
         <p:spPr>
           <a:xfrm>
-            <a:off x="3652435" y="6631481"/>
-            <a:ext cx="607859" cy="213585"/>
+            <a:off x="3642910" y="6650531"/>
+            <a:ext cx="505267" cy="213585"/>
           </a:xfrm>
           <a:prstGeom prst="rect">
             <a:avLst/>
@@ -9169,7 +9177,7 @@
           <a:p>
             <a:r>
               <a:rPr lang="de-AT" sz="788" dirty="0"/>
-              <a:t>[0..*] fault</a:t>
+              <a:t>[*] fault</a:t>
             </a:r>
             <a:endParaRPr lang="de-AT" sz="1013" dirty="0"/>
           </a:p>
@@ -9190,7 +9198,7 @@
         <p:spPr>
           <a:xfrm>
             <a:off x="3633346" y="6865876"/>
-            <a:ext cx="968535" cy="213585"/>
+            <a:ext cx="865943" cy="213585"/>
           </a:xfrm>
           <a:prstGeom prst="rect">
             <a:avLst/>
@@ -9205,7 +9213,7 @@
           <a:p>
             <a:r>
               <a:rPr lang="de-AT" sz="788" dirty="0"/>
-              <a:t>[0..*] </a:t>
+              <a:t>[*] </a:t>
             </a:r>
             <a:r>
               <a:rPr lang="de-AT" sz="788" dirty="0" err="1"/>
@@ -9229,10 +9237,10 @@
         </p:nvGrpSpPr>
         <p:grpSpPr>
           <a:xfrm rot="5400000">
-            <a:off x="1643345" y="7546665"/>
-            <a:ext cx="1153295" cy="242863"/>
+            <a:off x="1643344" y="7546667"/>
+            <a:ext cx="1153295" cy="242860"/>
             <a:chOff x="3060639" y="7885938"/>
-            <a:chExt cx="1792454" cy="682058"/>
+            <a:chExt cx="1792454" cy="682049"/>
           </a:xfrm>
         </p:grpSpPr>
         <p:sp>
@@ -9301,8 +9309,8 @@
           </p:nvCxnSpPr>
           <p:spPr>
             <a:xfrm rot="5400000" flipV="1">
-              <a:off x="3854225" y="7569128"/>
-              <a:ext cx="283964" cy="1713772"/>
+              <a:off x="3854229" y="7569124"/>
+              <a:ext cx="283955" cy="1713772"/>
             </a:xfrm>
             <a:prstGeom prst="bentConnector2">
               <a:avLst/>
@@ -9334,10 +9342,10 @@
         </p:nvGrpSpPr>
         <p:grpSpPr>
           <a:xfrm>
-            <a:off x="2913281" y="7365946"/>
-            <a:ext cx="511660" cy="614042"/>
+            <a:off x="2913276" y="7365946"/>
+            <a:ext cx="511662" cy="614042"/>
             <a:chOff x="5652571" y="1703985"/>
-            <a:chExt cx="795227" cy="1682201"/>
+            <a:chExt cx="795231" cy="1682202"/>
           </a:xfrm>
         </p:grpSpPr>
         <p:sp>
@@ -9413,8 +9421,8 @@
           </p:nvCxnSpPr>
           <p:spPr>
             <a:xfrm rot="16200000" flipH="1">
-              <a:off x="5442590" y="2380979"/>
-              <a:ext cx="1293871" cy="716544"/>
+              <a:off x="5442591" y="2380976"/>
+              <a:ext cx="1293873" cy="716549"/>
             </a:xfrm>
             <a:prstGeom prst="bentConnector3">
               <a:avLst>
@@ -9449,9 +9457,9 @@
         <p:grpSpPr>
           <a:xfrm>
             <a:off x="1933144" y="8700583"/>
-            <a:ext cx="2924945" cy="777152"/>
+            <a:ext cx="2924946" cy="805727"/>
             <a:chOff x="5485298" y="-1736543"/>
-            <a:chExt cx="4545952" cy="2182582"/>
+            <a:chExt cx="4545951" cy="2262827"/>
           </a:xfrm>
         </p:grpSpPr>
         <p:sp>
@@ -9527,12 +9535,12 @@
           </p:nvCxnSpPr>
           <p:spPr>
             <a:xfrm rot="16200000" flipH="1">
-              <a:off x="6905371" y="-2679839"/>
-              <a:ext cx="1784487" cy="4467270"/>
+              <a:off x="6865248" y="-2639717"/>
+              <a:ext cx="1864733" cy="4467269"/>
             </a:xfrm>
             <a:prstGeom prst="bentConnector3">
               <a:avLst>
-                <a:gd name="adj1" fmla="val 135977"/>
+                <a:gd name="adj1" fmla="val 134429"/>
               </a:avLst>
             </a:prstGeom>
             <a:noFill/>
@@ -9562,8 +9570,8 @@
         </p:nvSpPr>
         <p:spPr>
           <a:xfrm>
-            <a:off x="1758086" y="7930333"/>
-            <a:ext cx="397866" cy="213585"/>
+            <a:off x="1881787" y="7921169"/>
+            <a:ext cx="295274" cy="213585"/>
           </a:xfrm>
           <a:prstGeom prst="rect">
             <a:avLst/>
@@ -9578,7 +9586,7 @@
           <a:p>
             <a:r>
               <a:rPr lang="de-AT" sz="788" dirty="0"/>
-              <a:t>[0..*]</a:t>
+              <a:t>[*]</a:t>
             </a:r>
             <a:endParaRPr lang="de-AT" sz="1013" dirty="0"/>
           </a:p>
@@ -9599,7 +9607,7 @@
         <p:spPr>
           <a:xfrm>
             <a:off x="3420928" y="7689229"/>
-            <a:ext cx="397866" cy="213585"/>
+            <a:ext cx="295274" cy="213585"/>
           </a:xfrm>
           <a:prstGeom prst="rect">
             <a:avLst/>
@@ -9614,7 +9622,7 @@
           <a:p>
             <a:r>
               <a:rPr lang="de-AT" sz="788" dirty="0"/>
-              <a:t>[0..*]</a:t>
+              <a:t>[*]</a:t>
             </a:r>
             <a:endParaRPr lang="de-AT" sz="1013" dirty="0"/>
           </a:p>
@@ -9650,9 +9658,54 @@
           <a:p>
             <a:r>
               <a:rPr lang="de-AT" sz="788" dirty="0"/>
-              <a:t>[0..*]</a:t>
+              <a:t>[*]</a:t>
             </a:r>
             <a:endParaRPr lang="de-AT" sz="1013" dirty="0"/>
+          </a:p>
+        </p:txBody>
+      </p:sp>
+      <p:sp>
+        <p:nvSpPr>
+          <p:cNvPr id="83" name="Raute 82">
+            <a:extLst>
+              <a:ext uri="{FF2B5EF4-FFF2-40B4-BE49-F238E27FC236}">
+                <a16:creationId xmlns:a16="http://schemas.microsoft.com/office/drawing/2014/main" id="{7433EE94-718D-47DE-92DB-F1A01906416B}"/>
+              </a:ext>
+            </a:extLst>
+          </p:cNvPr>
+          <p:cNvSpPr/>
+          <p:nvPr/>
+        </p:nvSpPr>
+        <p:spPr>
+          <a:xfrm flipH="1">
+            <a:off x="2900893" y="6172805"/>
+            <a:ext cx="101250" cy="141750"/>
+          </a:xfrm>
+          <a:prstGeom prst="diamond">
+            <a:avLst/>
+          </a:prstGeom>
+          <a:solidFill>
+            <a:schemeClr val="tx1"/>
+          </a:solidFill>
+          <a:ln w="12700" cap="flat" cmpd="sng">
+            <a:solidFill>
+              <a:schemeClr val="dk1"/>
+            </a:solidFill>
+            <a:prstDash val="solid"/>
+            <a:miter lim="800000"/>
+            <a:headEnd type="none" w="sm" len="sm"/>
+            <a:tailEnd type="triangle" w="lg" len="lg"/>
+          </a:ln>
+        </p:spPr>
+        <p:txBody>
+          <a:bodyPr rtlCol="0" anchor="ctr"/>
+          <a:lstStyle/>
+          <a:p>
+            <a:pPr algn="ctr"/>
+            <a:endParaRPr lang="de-AT" sz="1013" dirty="0">
+              <a:latin typeface="Arial" panose="020B0604020202020204" pitchFamily="34" charset="0"/>
+              <a:cs typeface="Arial" panose="020B0604020202020204" pitchFamily="34" charset="0"/>
+            </a:endParaRPr>
           </a:p>
         </p:txBody>
       </p:sp>

--- a/Figures_Hochformat.pptx
+++ b/Figures_Hochformat.pptx
@@ -251,7 +251,7 @@
           <a:p>
             <a:fld id="{221DF790-08EF-4309-8C7D-573F11C98FD5}" type="datetimeFigureOut">
               <a:rPr lang="de-AT" smtClean="0"/>
-              <a:t>15.02.2022</a:t>
+              <a:t>18.02.2022</a:t>
             </a:fld>
             <a:endParaRPr lang="de-AT"/>
           </a:p>
@@ -421,7 +421,7 @@
           <a:p>
             <a:fld id="{221DF790-08EF-4309-8C7D-573F11C98FD5}" type="datetimeFigureOut">
               <a:rPr lang="de-AT" smtClean="0"/>
-              <a:t>15.02.2022</a:t>
+              <a:t>18.02.2022</a:t>
             </a:fld>
             <a:endParaRPr lang="de-AT"/>
           </a:p>
@@ -601,7 +601,7 @@
           <a:p>
             <a:fld id="{221DF790-08EF-4309-8C7D-573F11C98FD5}" type="datetimeFigureOut">
               <a:rPr lang="de-AT" smtClean="0"/>
-              <a:t>15.02.2022</a:t>
+              <a:t>18.02.2022</a:t>
             </a:fld>
             <a:endParaRPr lang="de-AT"/>
           </a:p>
@@ -771,7 +771,7 @@
           <a:p>
             <a:fld id="{221DF790-08EF-4309-8C7D-573F11C98FD5}" type="datetimeFigureOut">
               <a:rPr lang="de-AT" smtClean="0"/>
-              <a:t>15.02.2022</a:t>
+              <a:t>18.02.2022</a:t>
             </a:fld>
             <a:endParaRPr lang="de-AT"/>
           </a:p>
@@ -1015,7 +1015,7 @@
           <a:p>
             <a:fld id="{221DF790-08EF-4309-8C7D-573F11C98FD5}" type="datetimeFigureOut">
               <a:rPr lang="de-AT" smtClean="0"/>
-              <a:t>15.02.2022</a:t>
+              <a:t>18.02.2022</a:t>
             </a:fld>
             <a:endParaRPr lang="de-AT"/>
           </a:p>
@@ -1247,7 +1247,7 @@
           <a:p>
             <a:fld id="{221DF790-08EF-4309-8C7D-573F11C98FD5}" type="datetimeFigureOut">
               <a:rPr lang="de-AT" smtClean="0"/>
-              <a:t>15.02.2022</a:t>
+              <a:t>18.02.2022</a:t>
             </a:fld>
             <a:endParaRPr lang="de-AT"/>
           </a:p>
@@ -1614,7 +1614,7 @@
           <a:p>
             <a:fld id="{221DF790-08EF-4309-8C7D-573F11C98FD5}" type="datetimeFigureOut">
               <a:rPr lang="de-AT" smtClean="0"/>
-              <a:t>15.02.2022</a:t>
+              <a:t>18.02.2022</a:t>
             </a:fld>
             <a:endParaRPr lang="de-AT"/>
           </a:p>
@@ -1732,7 +1732,7 @@
           <a:p>
             <a:fld id="{221DF790-08EF-4309-8C7D-573F11C98FD5}" type="datetimeFigureOut">
               <a:rPr lang="de-AT" smtClean="0"/>
-              <a:t>15.02.2022</a:t>
+              <a:t>18.02.2022</a:t>
             </a:fld>
             <a:endParaRPr lang="de-AT"/>
           </a:p>
@@ -1827,7 +1827,7 @@
           <a:p>
             <a:fld id="{221DF790-08EF-4309-8C7D-573F11C98FD5}" type="datetimeFigureOut">
               <a:rPr lang="de-AT" smtClean="0"/>
-              <a:t>15.02.2022</a:t>
+              <a:t>18.02.2022</a:t>
             </a:fld>
             <a:endParaRPr lang="de-AT"/>
           </a:p>
@@ -2104,7 +2104,7 @@
           <a:p>
             <a:fld id="{221DF790-08EF-4309-8C7D-573F11C98FD5}" type="datetimeFigureOut">
               <a:rPr lang="de-AT" smtClean="0"/>
-              <a:t>15.02.2022</a:t>
+              <a:t>18.02.2022</a:t>
             </a:fld>
             <a:endParaRPr lang="de-AT"/>
           </a:p>
@@ -2361,7 +2361,7 @@
           <a:p>
             <a:fld id="{221DF790-08EF-4309-8C7D-573F11C98FD5}" type="datetimeFigureOut">
               <a:rPr lang="de-AT" smtClean="0"/>
-              <a:t>15.02.2022</a:t>
+              <a:t>18.02.2022</a:t>
             </a:fld>
             <a:endParaRPr lang="de-AT"/>
           </a:p>
@@ -2574,7 +2574,7 @@
           <a:p>
             <a:fld id="{221DF790-08EF-4309-8C7D-573F11C98FD5}" type="datetimeFigureOut">
               <a:rPr lang="de-AT" smtClean="0"/>
-              <a:t>15.02.2022</a:t>
+              <a:t>18.02.2022</a:t>
             </a:fld>
             <a:endParaRPr lang="de-AT"/>
           </a:p>
@@ -6370,7 +6370,7 @@
         </p:nvGrpSpPr>
         <p:grpSpPr>
           <a:xfrm>
-            <a:off x="2037263" y="4437323"/>
+            <a:off x="2043613" y="4437323"/>
             <a:ext cx="1815315" cy="871953"/>
             <a:chOff x="3484880" y="609600"/>
             <a:chExt cx="2529840" cy="1620326"/>
@@ -6616,9 +6616,9 @@
           <p:nvPr/>
         </p:nvCxnSpPr>
         <p:spPr>
-          <a:xfrm rot="16200000" flipH="1">
-            <a:off x="2787380" y="5466817"/>
-            <a:ext cx="321051" cy="5968"/>
+          <a:xfrm rot="5400000">
+            <a:off x="2790555" y="5469610"/>
+            <a:ext cx="321051" cy="382"/>
           </a:xfrm>
           <a:prstGeom prst="bentConnector3">
             <a:avLst>
@@ -6651,10 +6651,10 @@
         </p:nvGrpSpPr>
         <p:grpSpPr>
           <a:xfrm>
-            <a:off x="2891865" y="3975450"/>
+            <a:off x="2898215" y="3975450"/>
             <a:ext cx="101250" cy="461872"/>
-            <a:chOff x="5287451" y="-477952"/>
-            <a:chExt cx="162655" cy="876176"/>
+            <a:chOff x="5297652" y="-477952"/>
+            <a:chExt cx="162655" cy="876178"/>
           </a:xfrm>
         </p:grpSpPr>
         <p:sp>
@@ -6671,8 +6671,8 @@
           </p:nvSpPr>
           <p:spPr>
             <a:xfrm flipH="1">
-              <a:off x="5287451" y="-477952"/>
-              <a:ext cx="162655" cy="268901"/>
+              <a:off x="5297652" y="-477952"/>
+              <a:ext cx="162655" cy="268902"/>
             </a:xfrm>
             <a:prstGeom prst="diamond">
               <a:avLst/>
@@ -6720,8 +6720,8 @@
           </p:nvCxnSpPr>
           <p:spPr>
             <a:xfrm rot="16200000" flipH="1">
-              <a:off x="5067093" y="92633"/>
-              <a:ext cx="607277" cy="3905"/>
+              <a:off x="5077293" y="92634"/>
+              <a:ext cx="607278" cy="3905"/>
             </a:xfrm>
             <a:prstGeom prst="bentConnector3">
               <a:avLst>
@@ -6797,7 +6797,7 @@
         </p:nvSpPr>
         <p:spPr>
           <a:xfrm>
-            <a:off x="2920313" y="5378154"/>
+            <a:off x="2923164" y="5374320"/>
             <a:ext cx="604653" cy="213585"/>
           </a:xfrm>
           <a:prstGeom prst="rect">
@@ -7001,12 +7001,12 @@
         </p:nvCxnSpPr>
         <p:spPr>
           <a:xfrm rot="10800000" flipH="1" flipV="1">
-            <a:off x="2037262" y="4998196"/>
-            <a:ext cx="305225" cy="1922291"/>
+            <a:off x="2043612" y="4998196"/>
+            <a:ext cx="298875" cy="1922293"/>
           </a:xfrm>
           <a:prstGeom prst="bentConnector3">
             <a:avLst>
-              <a:gd name="adj1" fmla="val -152912"/>
+              <a:gd name="adj1" fmla="val -199716"/>
             </a:avLst>
           </a:prstGeom>
           <a:noFill/>
@@ -7082,10 +7082,10 @@
         </p:nvGrpSpPr>
         <p:grpSpPr>
           <a:xfrm>
-            <a:off x="4126944" y="4205562"/>
-            <a:ext cx="1511856" cy="1118713"/>
-            <a:chOff x="3484880" y="609600"/>
-            <a:chExt cx="2529840" cy="2078875"/>
+            <a:off x="4126944" y="4142062"/>
+            <a:ext cx="1511856" cy="1188564"/>
+            <a:chOff x="3484880" y="491600"/>
+            <a:chExt cx="2529840" cy="2208677"/>
           </a:xfrm>
         </p:grpSpPr>
         <p:sp>
@@ -7102,8 +7102,8 @@
           </p:nvSpPr>
           <p:spPr>
             <a:xfrm>
-              <a:off x="3484880" y="609600"/>
-              <a:ext cx="2529840" cy="428786"/>
+              <a:off x="3484880" y="491600"/>
+              <a:ext cx="2529840" cy="428785"/>
             </a:xfrm>
             <a:prstGeom prst="rect">
               <a:avLst/>
@@ -7143,21 +7143,7 @@
                   <a:latin typeface="Arial" panose="020B0604020202020204" pitchFamily="34" charset="0"/>
                   <a:cs typeface="Arial" panose="020B0604020202020204" pitchFamily="34" charset="0"/>
                 </a:rPr>
-                <a:t>&lt;&lt;</a:t>
-              </a:r>
-              <a:r>
-                <a:rPr lang="de-AT" sz="1013" b="1" i="1" dirty="0" err="1">
-                  <a:latin typeface="Arial" panose="020B0604020202020204" pitchFamily="34" charset="0"/>
-                  <a:cs typeface="Arial" panose="020B0604020202020204" pitchFamily="34" charset="0"/>
-                </a:rPr>
-                <a:t>abstract</a:t>
-              </a:r>
-              <a:r>
-                <a:rPr lang="de-AT" sz="1013" b="1" i="1" dirty="0">
-                  <a:latin typeface="Arial" panose="020B0604020202020204" pitchFamily="34" charset="0"/>
-                  <a:cs typeface="Arial" panose="020B0604020202020204" pitchFamily="34" charset="0"/>
-                </a:rPr>
-                <a:t>&gt;&gt; Model</a:t>
+                <a:t>Model</a:t>
               </a:r>
             </a:p>
           </p:txBody>
@@ -7176,8 +7162,8 @@
           </p:nvSpPr>
           <p:spPr>
             <a:xfrm>
-              <a:off x="3484880" y="1038386"/>
-              <a:ext cx="2529840" cy="1650089"/>
+              <a:off x="3484880" y="925871"/>
+              <a:ext cx="2529840" cy="1774406"/>
             </a:xfrm>
             <a:prstGeom prst="rect">
               <a:avLst/>
@@ -7312,6 +7298,26 @@
                   <a:cs typeface="Arial" panose="020B0604020202020204" pitchFamily="34" charset="0"/>
                 </a:rPr>
                 <a:t>displayName</a:t>
+              </a:r>
+              <a:endParaRPr lang="de-AT" sz="900" dirty="0">
+                <a:latin typeface="Arial" panose="020B0604020202020204" pitchFamily="34" charset="0"/>
+                <a:cs typeface="Arial" panose="020B0604020202020204" pitchFamily="34" charset="0"/>
+              </a:endParaRPr>
+            </a:p>
+            <a:p>
+              <a:r>
+                <a:rPr lang="de-AT" sz="900" dirty="0">
+                  <a:latin typeface="Arial" panose="020B0604020202020204" pitchFamily="34" charset="0"/>
+                  <a:cs typeface="Arial" panose="020B0604020202020204" pitchFamily="34" charset="0"/>
+                </a:rPr>
+                <a:t>String </a:t>
+              </a:r>
+              <a:r>
+                <a:rPr lang="de-AT" sz="900" dirty="0" err="1">
+                  <a:latin typeface="Arial" panose="020B0604020202020204" pitchFamily="34" charset="0"/>
+                  <a:cs typeface="Arial" panose="020B0604020202020204" pitchFamily="34" charset="0"/>
+                </a:rPr>
+                <a:t>namespace</a:t>
               </a:r>
               <a:endParaRPr lang="de-AT" sz="900" dirty="0">
                 <a:latin typeface="Arial" panose="020B0604020202020204" pitchFamily="34" charset="0"/>
@@ -7707,10 +7713,10 @@
         </p:nvGrpSpPr>
         <p:grpSpPr>
           <a:xfrm rot="10800000">
-            <a:off x="4710200" y="5295024"/>
-            <a:ext cx="101250" cy="476380"/>
-            <a:chOff x="6936843" y="1239542"/>
-            <a:chExt cx="162655" cy="903691"/>
+            <a:off x="4706140" y="5344708"/>
+            <a:ext cx="101250" cy="426696"/>
+            <a:chOff x="6943365" y="1239545"/>
+            <a:chExt cx="162655" cy="809443"/>
           </a:xfrm>
         </p:grpSpPr>
         <p:sp>
@@ -7727,7 +7733,7 @@
           </p:nvSpPr>
           <p:spPr>
             <a:xfrm flipH="1">
-              <a:off x="6936843" y="1874330"/>
+              <a:off x="6943365" y="1780085"/>
               <a:ext cx="162655" cy="268903"/>
             </a:xfrm>
             <a:prstGeom prst="diamond">
@@ -7775,9 +7781,9 @@
             <p:nvPr/>
           </p:nvCxnSpPr>
           <p:spPr>
-            <a:xfrm rot="16200000">
-              <a:off x="6703030" y="1554682"/>
-              <a:ext cx="634788" cy="4508"/>
+            <a:xfrm rot="5400000" flipH="1">
+              <a:off x="6753414" y="1508808"/>
+              <a:ext cx="540541" cy="2015"/>
             </a:xfrm>
             <a:prstGeom prst="bentConnector3">
               <a:avLst>
@@ -7811,7 +7817,7 @@
         </p:nvSpPr>
         <p:spPr>
           <a:xfrm>
-            <a:off x="4692119" y="5468072"/>
+            <a:off x="4677487" y="5486456"/>
             <a:ext cx="753732" cy="213585"/>
           </a:xfrm>
           <a:prstGeom prst="rect">
@@ -9342,10 +9348,10 @@
         </p:nvGrpSpPr>
         <p:grpSpPr>
           <a:xfrm>
-            <a:off x="2913276" y="7365946"/>
-            <a:ext cx="511662" cy="614042"/>
-            <a:chOff x="5652571" y="1703985"/>
-            <a:chExt cx="795231" cy="1682202"/>
+            <a:off x="2900265" y="7259742"/>
+            <a:ext cx="524676" cy="720246"/>
+            <a:chOff x="5632346" y="1413033"/>
+            <a:chExt cx="815457" cy="1973155"/>
           </a:xfrm>
         </p:grpSpPr>
         <p:sp>
@@ -9362,7 +9368,7 @@
           </p:nvSpPr>
           <p:spPr>
             <a:xfrm flipH="1">
-              <a:off x="5652571" y="1703985"/>
+              <a:off x="5632346" y="1413033"/>
               <a:ext cx="157364" cy="388332"/>
             </a:xfrm>
             <a:prstGeom prst="diamond">
@@ -9421,8 +9427,8 @@
           </p:nvCxnSpPr>
           <p:spPr>
             <a:xfrm rot="16200000" flipH="1">
-              <a:off x="5442591" y="2380976"/>
-              <a:ext cx="1293873" cy="716549"/>
+              <a:off x="5287003" y="2225389"/>
+              <a:ext cx="1584825" cy="736774"/>
             </a:xfrm>
             <a:prstGeom prst="bentConnector3">
               <a:avLst>
@@ -9456,10 +9462,10 @@
         </p:nvGrpSpPr>
         <p:grpSpPr>
           <a:xfrm>
-            <a:off x="1933144" y="8700583"/>
-            <a:ext cx="2924946" cy="805727"/>
-            <a:chOff x="5485298" y="-1736543"/>
-            <a:chExt cx="4545951" cy="2262827"/>
+            <a:off x="1928175" y="8748475"/>
+            <a:ext cx="2929914" cy="757834"/>
+            <a:chOff x="5477574" y="-1602042"/>
+            <a:chExt cx="4553672" cy="2128323"/>
           </a:xfrm>
         </p:grpSpPr>
         <p:sp>
@@ -9476,7 +9482,7 @@
           </p:nvSpPr>
           <p:spPr>
             <a:xfrm flipH="1">
-              <a:off x="5485298" y="-1736543"/>
+              <a:off x="5477574" y="-1602042"/>
               <a:ext cx="157363" cy="398095"/>
             </a:xfrm>
             <a:prstGeom prst="diamond">
@@ -9535,12 +9541,12 @@
           </p:nvCxnSpPr>
           <p:spPr>
             <a:xfrm rot="16200000" flipH="1">
-              <a:off x="6865248" y="-2639717"/>
-              <a:ext cx="1864733" cy="4467269"/>
+              <a:off x="6928635" y="-2576330"/>
+              <a:ext cx="1730231" cy="4474991"/>
             </a:xfrm>
             <a:prstGeom prst="bentConnector3">
               <a:avLst>
-                <a:gd name="adj1" fmla="val 134429"/>
+                <a:gd name="adj1" fmla="val 137105"/>
               </a:avLst>
             </a:prstGeom>
             <a:noFill/>

--- a/Figures_Hochformat.pptx
+++ b/Figures_Hochformat.pptx
@@ -251,7 +251,7 @@
           <a:p>
             <a:fld id="{221DF790-08EF-4309-8C7D-573F11C98FD5}" type="datetimeFigureOut">
               <a:rPr lang="de-AT" smtClean="0"/>
-              <a:t>18.02.2022</a:t>
+              <a:t>24.02.2022</a:t>
             </a:fld>
             <a:endParaRPr lang="de-AT"/>
           </a:p>
@@ -421,7 +421,7 @@
           <a:p>
             <a:fld id="{221DF790-08EF-4309-8C7D-573F11C98FD5}" type="datetimeFigureOut">
               <a:rPr lang="de-AT" smtClean="0"/>
-              <a:t>18.02.2022</a:t>
+              <a:t>24.02.2022</a:t>
             </a:fld>
             <a:endParaRPr lang="de-AT"/>
           </a:p>
@@ -601,7 +601,7 @@
           <a:p>
             <a:fld id="{221DF790-08EF-4309-8C7D-573F11C98FD5}" type="datetimeFigureOut">
               <a:rPr lang="de-AT" smtClean="0"/>
-              <a:t>18.02.2022</a:t>
+              <a:t>24.02.2022</a:t>
             </a:fld>
             <a:endParaRPr lang="de-AT"/>
           </a:p>
@@ -771,7 +771,7 @@
           <a:p>
             <a:fld id="{221DF790-08EF-4309-8C7D-573F11C98FD5}" type="datetimeFigureOut">
               <a:rPr lang="de-AT" smtClean="0"/>
-              <a:t>18.02.2022</a:t>
+              <a:t>24.02.2022</a:t>
             </a:fld>
             <a:endParaRPr lang="de-AT"/>
           </a:p>
@@ -1015,7 +1015,7 @@
           <a:p>
             <a:fld id="{221DF790-08EF-4309-8C7D-573F11C98FD5}" type="datetimeFigureOut">
               <a:rPr lang="de-AT" smtClean="0"/>
-              <a:t>18.02.2022</a:t>
+              <a:t>24.02.2022</a:t>
             </a:fld>
             <a:endParaRPr lang="de-AT"/>
           </a:p>
@@ -1247,7 +1247,7 @@
           <a:p>
             <a:fld id="{221DF790-08EF-4309-8C7D-573F11C98FD5}" type="datetimeFigureOut">
               <a:rPr lang="de-AT" smtClean="0"/>
-              <a:t>18.02.2022</a:t>
+              <a:t>24.02.2022</a:t>
             </a:fld>
             <a:endParaRPr lang="de-AT"/>
           </a:p>
@@ -1614,7 +1614,7 @@
           <a:p>
             <a:fld id="{221DF790-08EF-4309-8C7D-573F11C98FD5}" type="datetimeFigureOut">
               <a:rPr lang="de-AT" smtClean="0"/>
-              <a:t>18.02.2022</a:t>
+              <a:t>24.02.2022</a:t>
             </a:fld>
             <a:endParaRPr lang="de-AT"/>
           </a:p>
@@ -1732,7 +1732,7 @@
           <a:p>
             <a:fld id="{221DF790-08EF-4309-8C7D-573F11C98FD5}" type="datetimeFigureOut">
               <a:rPr lang="de-AT" smtClean="0"/>
-              <a:t>18.02.2022</a:t>
+              <a:t>24.02.2022</a:t>
             </a:fld>
             <a:endParaRPr lang="de-AT"/>
           </a:p>
@@ -1827,7 +1827,7 @@
           <a:p>
             <a:fld id="{221DF790-08EF-4309-8C7D-573F11C98FD5}" type="datetimeFigureOut">
               <a:rPr lang="de-AT" smtClean="0"/>
-              <a:t>18.02.2022</a:t>
+              <a:t>24.02.2022</a:t>
             </a:fld>
             <a:endParaRPr lang="de-AT"/>
           </a:p>
@@ -2104,7 +2104,7 @@
           <a:p>
             <a:fld id="{221DF790-08EF-4309-8C7D-573F11C98FD5}" type="datetimeFigureOut">
               <a:rPr lang="de-AT" smtClean="0"/>
-              <a:t>18.02.2022</a:t>
+              <a:t>24.02.2022</a:t>
             </a:fld>
             <a:endParaRPr lang="de-AT"/>
           </a:p>
@@ -2361,7 +2361,7 @@
           <a:p>
             <a:fld id="{221DF790-08EF-4309-8C7D-573F11C98FD5}" type="datetimeFigureOut">
               <a:rPr lang="de-AT" smtClean="0"/>
-              <a:t>18.02.2022</a:t>
+              <a:t>24.02.2022</a:t>
             </a:fld>
             <a:endParaRPr lang="de-AT"/>
           </a:p>
@@ -2574,7 +2574,7 @@
           <a:p>
             <a:fld id="{221DF790-08EF-4309-8C7D-573F11C98FD5}" type="datetimeFigureOut">
               <a:rPr lang="de-AT" smtClean="0"/>
-              <a:t>18.02.2022</a:t>
+              <a:t>24.02.2022</a:t>
             </a:fld>
             <a:endParaRPr lang="de-AT"/>
           </a:p>
@@ -6122,11 +6122,11 @@
             <a:lstStyle/>
             <a:p>
               <a:r>
-                <a:rPr lang="de-AT" sz="900" i="1" dirty="0">
-                  <a:latin typeface="Arial" panose="020B0604020202020204" pitchFamily="34" charset="0"/>
-                  <a:cs typeface="Arial" panose="020B0604020202020204" pitchFamily="34" charset="0"/>
-                </a:rPr>
-                <a:t>List&lt;Entity&gt; </a:t>
+                <a:rPr lang="de-AT" sz="900" dirty="0">
+                  <a:latin typeface="Arial" panose="020B0604020202020204" pitchFamily="34" charset="0"/>
+                  <a:cs typeface="Arial" panose="020B0604020202020204" pitchFamily="34" charset="0"/>
+                </a:rPr>
+                <a:t>Entity[*] </a:t>
               </a:r>
               <a:r>
                 <a:rPr lang="de-AT" sz="900" dirty="0" err="1">
@@ -6142,25 +6142,18 @@
             </a:p>
             <a:p>
               <a:r>
-                <a:rPr lang="de-AT" sz="900" i="1" dirty="0">
-                  <a:latin typeface="Arial" panose="020B0604020202020204" pitchFamily="34" charset="0"/>
-                  <a:cs typeface="Arial" panose="020B0604020202020204" pitchFamily="34" charset="0"/>
-                </a:rPr>
-                <a:t>List&lt;</a:t>
-              </a:r>
-              <a:r>
-                <a:rPr lang="de-AT" sz="900" i="1" dirty="0" err="1">
+                <a:rPr lang="de-AT" sz="900" dirty="0" err="1">
                   <a:latin typeface="Arial" panose="020B0604020202020204" pitchFamily="34" charset="0"/>
                   <a:cs typeface="Arial" panose="020B0604020202020204" pitchFamily="34" charset="0"/>
                 </a:rPr>
                 <a:t>Enum</a:t>
               </a:r>
               <a:r>
-                <a:rPr lang="de-AT" sz="900" i="1" dirty="0">
-                  <a:latin typeface="Arial" panose="020B0604020202020204" pitchFamily="34" charset="0"/>
-                  <a:cs typeface="Arial" panose="020B0604020202020204" pitchFamily="34" charset="0"/>
-                </a:rPr>
-                <a:t>&gt; </a:t>
+                <a:rPr lang="de-AT" sz="900" dirty="0">
+                  <a:latin typeface="Arial" panose="020B0604020202020204" pitchFamily="34" charset="0"/>
+                  <a:cs typeface="Arial" panose="020B0604020202020204" pitchFamily="34" charset="0"/>
+                </a:rPr>
+                <a:t>[*] </a:t>
               </a:r>
               <a:r>
                 <a:rPr lang="de-AT" sz="900" dirty="0" err="1">
@@ -6490,18 +6483,11 @@
             <a:lstStyle/>
             <a:p>
               <a:r>
-                <a:rPr lang="de-AT" sz="900" i="1" dirty="0">
-                  <a:latin typeface="Arial" panose="020B0604020202020204" pitchFamily="34" charset="0"/>
-                  <a:cs typeface="Arial" panose="020B0604020202020204" pitchFamily="34" charset="0"/>
-                </a:rPr>
-                <a:t>String</a:t>
-              </a:r>
-              <a:r>
                 <a:rPr lang="de-AT" sz="900" dirty="0">
                   <a:latin typeface="Arial" panose="020B0604020202020204" pitchFamily="34" charset="0"/>
                   <a:cs typeface="Arial" panose="020B0604020202020204" pitchFamily="34" charset="0"/>
                 </a:rPr>
-                <a:t> </a:t>
+                <a:t>String </a:t>
               </a:r>
               <a:r>
                 <a:rPr lang="de-AT" sz="900" dirty="0" err="1">
@@ -6517,18 +6503,11 @@
             </a:p>
             <a:p>
               <a:r>
-                <a:rPr lang="de-AT" sz="900" i="1" dirty="0">
-                  <a:latin typeface="Arial" panose="020B0604020202020204" pitchFamily="34" charset="0"/>
-                  <a:cs typeface="Arial" panose="020B0604020202020204" pitchFamily="34" charset="0"/>
-                </a:rPr>
-                <a:t>String</a:t>
-              </a:r>
-              <a:r>
                 <a:rPr lang="de-AT" sz="900" dirty="0">
                   <a:latin typeface="Arial" panose="020B0604020202020204" pitchFamily="34" charset="0"/>
                   <a:cs typeface="Arial" panose="020B0604020202020204" pitchFamily="34" charset="0"/>
                 </a:rPr>
-                <a:t> </a:t>
+                <a:t>String </a:t>
               </a:r>
               <a:r>
                 <a:rPr lang="de-AT" sz="900" dirty="0" err="1">
@@ -6544,18 +6523,11 @@
             </a:p>
             <a:p>
               <a:r>
-                <a:rPr lang="de-AT" sz="900" i="1" dirty="0">
-                  <a:latin typeface="Arial" panose="020B0604020202020204" pitchFamily="34" charset="0"/>
-                  <a:cs typeface="Arial" panose="020B0604020202020204" pitchFamily="34" charset="0"/>
-                </a:rPr>
-                <a:t>Boolean</a:t>
-              </a:r>
-              <a:r>
                 <a:rPr lang="de-AT" sz="900" dirty="0">
                   <a:latin typeface="Arial" panose="020B0604020202020204" pitchFamily="34" charset="0"/>
                   <a:cs typeface="Arial" panose="020B0604020202020204" pitchFamily="34" charset="0"/>
                 </a:rPr>
-                <a:t> </a:t>
+                <a:t>Boolean </a:t>
               </a:r>
               <a:r>
                 <a:rPr lang="de-AT" sz="900" dirty="0" err="1">
@@ -6571,18 +6543,11 @@
             </a:p>
             <a:p>
               <a:r>
-                <a:rPr lang="de-AT" sz="900" i="1" dirty="0">
-                  <a:latin typeface="Arial" panose="020B0604020202020204" pitchFamily="34" charset="0"/>
-                  <a:cs typeface="Arial" panose="020B0604020202020204" pitchFamily="34" charset="0"/>
-                </a:rPr>
-                <a:t>Presence</a:t>
-              </a:r>
-              <a:r>
                 <a:rPr lang="de-AT" sz="900" dirty="0">
                   <a:latin typeface="Arial" panose="020B0604020202020204" pitchFamily="34" charset="0"/>
                   <a:cs typeface="Arial" panose="020B0604020202020204" pitchFamily="34" charset="0"/>
                 </a:rPr>
-                <a:t> </a:t>
+                <a:t>Presence </a:t>
               </a:r>
               <a:r>
                 <a:rPr lang="de-AT" sz="900" dirty="0" err="1">
@@ -6756,7 +6721,7 @@
         <p:spPr>
           <a:xfrm>
             <a:off x="2870959" y="4114696"/>
-            <a:ext cx="295274" cy="213585"/>
+            <a:ext cx="234360" cy="213585"/>
           </a:xfrm>
           <a:prstGeom prst="rect">
             <a:avLst/>
@@ -6778,7 +6743,7 @@
           <a:p>
             <a:r>
               <a:rPr lang="de-AT" sz="788" dirty="0"/>
-              <a:t>[*]</a:t>
+              <a:t>*</a:t>
             </a:r>
           </a:p>
         </p:txBody>
@@ -6798,7 +6763,7 @@
         <p:spPr>
           <a:xfrm>
             <a:off x="2923164" y="5374320"/>
-            <a:ext cx="604653" cy="213585"/>
+            <a:ext cx="543739" cy="213585"/>
           </a:xfrm>
           <a:prstGeom prst="rect">
             <a:avLst/>
@@ -6820,7 +6785,7 @@
           <a:p>
             <a:r>
               <a:rPr lang="de-AT" sz="788" dirty="0"/>
-              <a:t>[0..1] type</a:t>
+              <a:t>0..1 type</a:t>
             </a:r>
           </a:p>
         </p:txBody>
@@ -7006,7 +6971,7 @@
           </a:xfrm>
           <a:prstGeom prst="bentConnector3">
             <a:avLst>
-              <a:gd name="adj1" fmla="val -199716"/>
+              <a:gd name="adj1" fmla="val -161473"/>
             </a:avLst>
           </a:prstGeom>
           <a:noFill/>
@@ -7035,8 +7000,8 @@
         </p:nvSpPr>
         <p:spPr>
           <a:xfrm>
-            <a:off x="1342484" y="6920671"/>
-            <a:ext cx="806631" cy="334835"/>
+            <a:off x="1542237" y="6585654"/>
+            <a:ext cx="761747" cy="334835"/>
           </a:xfrm>
           <a:prstGeom prst="rect">
             <a:avLst/>
@@ -7051,7 +7016,7 @@
           <a:p>
             <a:r>
               <a:rPr lang="de-AT" sz="788" dirty="0"/>
-              <a:t>[0..1] </a:t>
+              <a:t>0..1 </a:t>
             </a:r>
             <a:r>
               <a:rPr lang="de-AT" sz="788" dirty="0" err="1"/>
@@ -7198,18 +7163,11 @@
             <a:lstStyle/>
             <a:p>
               <a:r>
-                <a:rPr lang="de-AT" sz="900" i="1" dirty="0">
-                  <a:latin typeface="Arial" panose="020B0604020202020204" pitchFamily="34" charset="0"/>
-                  <a:cs typeface="Arial" panose="020B0604020202020204" pitchFamily="34" charset="0"/>
-                </a:rPr>
-                <a:t>String</a:t>
-              </a:r>
-              <a:r>
                 <a:rPr lang="de-AT" sz="900" dirty="0">
                   <a:latin typeface="Arial" panose="020B0604020202020204" pitchFamily="34" charset="0"/>
                   <a:cs typeface="Arial" panose="020B0604020202020204" pitchFamily="34" charset="0"/>
                 </a:rPr>
-                <a:t> </a:t>
+                <a:t>String </a:t>
               </a:r>
               <a:r>
                 <a:rPr lang="de-AT" sz="900" dirty="0" err="1">
@@ -7225,18 +7183,11 @@
             </a:p>
             <a:p>
               <a:r>
-                <a:rPr lang="de-AT" sz="900" i="1" dirty="0">
-                  <a:latin typeface="Arial" panose="020B0604020202020204" pitchFamily="34" charset="0"/>
-                  <a:cs typeface="Arial" panose="020B0604020202020204" pitchFamily="34" charset="0"/>
-                </a:rPr>
-                <a:t>String</a:t>
-              </a:r>
-              <a:r>
                 <a:rPr lang="de-AT" sz="900" dirty="0">
                   <a:latin typeface="Arial" panose="020B0604020202020204" pitchFamily="34" charset="0"/>
                   <a:cs typeface="Arial" panose="020B0604020202020204" pitchFamily="34" charset="0"/>
                 </a:rPr>
-                <a:t> </a:t>
+                <a:t>String </a:t>
               </a:r>
               <a:r>
                 <a:rPr lang="de-AT" sz="900" dirty="0" err="1">
@@ -7252,18 +7203,11 @@
             </a:p>
             <a:p>
               <a:r>
-                <a:rPr lang="de-AT" sz="900" i="1" dirty="0">
-                  <a:latin typeface="Arial" panose="020B0604020202020204" pitchFamily="34" charset="0"/>
-                  <a:cs typeface="Arial" panose="020B0604020202020204" pitchFamily="34" charset="0"/>
-                </a:rPr>
-                <a:t>String</a:t>
-              </a:r>
-              <a:r>
                 <a:rPr lang="de-AT" sz="900" dirty="0">
                   <a:latin typeface="Arial" panose="020B0604020202020204" pitchFamily="34" charset="0"/>
                   <a:cs typeface="Arial" panose="020B0604020202020204" pitchFamily="34" charset="0"/>
                 </a:rPr>
-                <a:t> </a:t>
+                <a:t>String </a:t>
               </a:r>
               <a:r>
                 <a:rPr lang="de-AT" sz="900" dirty="0" err="1">
@@ -7279,18 +7223,11 @@
             </a:p>
             <a:p>
               <a:r>
-                <a:rPr lang="de-AT" sz="900" i="1" dirty="0">
-                  <a:latin typeface="Arial" panose="020B0604020202020204" pitchFamily="34" charset="0"/>
-                  <a:cs typeface="Arial" panose="020B0604020202020204" pitchFamily="34" charset="0"/>
-                </a:rPr>
-                <a:t>String</a:t>
-              </a:r>
-              <a:r>
                 <a:rPr lang="de-AT" sz="900" dirty="0">
                   <a:latin typeface="Arial" panose="020B0604020202020204" pitchFamily="34" charset="0"/>
                   <a:cs typeface="Arial" panose="020B0604020202020204" pitchFamily="34" charset="0"/>
                 </a:rPr>
-                <a:t> </a:t>
+                <a:t>String </a:t>
               </a:r>
               <a:r>
                 <a:rPr lang="de-AT" sz="900" dirty="0" err="1">
@@ -7326,18 +7263,11 @@
             </a:p>
             <a:p>
               <a:r>
-                <a:rPr lang="de-AT" sz="900" i="1" dirty="0">
-                  <a:latin typeface="Arial" panose="020B0604020202020204" pitchFamily="34" charset="0"/>
-                  <a:cs typeface="Arial" panose="020B0604020202020204" pitchFamily="34" charset="0"/>
-                </a:rPr>
-                <a:t>String</a:t>
-              </a:r>
-              <a:r>
                 <a:rPr lang="de-AT" sz="900" dirty="0">
                   <a:latin typeface="Arial" panose="020B0604020202020204" pitchFamily="34" charset="0"/>
                   <a:cs typeface="Arial" panose="020B0604020202020204" pitchFamily="34" charset="0"/>
                 </a:rPr>
-                <a:t> </a:t>
+                <a:t>String </a:t>
               </a:r>
               <a:r>
                 <a:rPr lang="de-AT" sz="900" dirty="0" err="1">
@@ -7353,7 +7283,7 @@
             </a:p>
             <a:p>
               <a:r>
-                <a:rPr lang="de-AT" sz="900" i="1" dirty="0" err="1">
+                <a:rPr lang="de-AT" sz="900" dirty="0" err="1">
                   <a:latin typeface="Arial" panose="020B0604020202020204" pitchFamily="34" charset="0"/>
                   <a:cs typeface="Arial" panose="020B0604020202020204" pitchFamily="34" charset="0"/>
                 </a:rPr>
@@ -7504,18 +7434,11 @@
             <a:lstStyle/>
             <a:p>
               <a:r>
-                <a:rPr lang="de-AT" sz="900" i="1" dirty="0">
-                  <a:latin typeface="Arial" panose="020B0604020202020204" pitchFamily="34" charset="0"/>
-                  <a:cs typeface="Arial" panose="020B0604020202020204" pitchFamily="34" charset="0"/>
-                </a:rPr>
-                <a:t>String</a:t>
-              </a:r>
-              <a:r>
                 <a:rPr lang="de-AT" sz="900" dirty="0">
                   <a:latin typeface="Arial" panose="020B0604020202020204" pitchFamily="34" charset="0"/>
                   <a:cs typeface="Arial" panose="020B0604020202020204" pitchFamily="34" charset="0"/>
                 </a:rPr>
-                <a:t> </a:t>
+                <a:t>String </a:t>
               </a:r>
               <a:r>
                 <a:rPr lang="de-AT" sz="900" dirty="0" err="1">
@@ -7531,18 +7454,11 @@
             </a:p>
             <a:p>
               <a:r>
-                <a:rPr lang="de-AT" sz="900" i="1" dirty="0">
-                  <a:latin typeface="Arial" panose="020B0604020202020204" pitchFamily="34" charset="0"/>
-                  <a:cs typeface="Arial" panose="020B0604020202020204" pitchFamily="34" charset="0"/>
-                </a:rPr>
-                <a:t>String</a:t>
-              </a:r>
-              <a:r>
                 <a:rPr lang="de-AT" sz="900" dirty="0">
                   <a:latin typeface="Arial" panose="020B0604020202020204" pitchFamily="34" charset="0"/>
                   <a:cs typeface="Arial" panose="020B0604020202020204" pitchFamily="34" charset="0"/>
                 </a:rPr>
-                <a:t> </a:t>
+                <a:t>String </a:t>
               </a:r>
               <a:r>
                 <a:rPr lang="de-AT" sz="900" dirty="0" err="1">
@@ -7612,7 +7528,7 @@
         <p:spPr>
           <a:xfrm>
             <a:off x="1648118" y="5450731"/>
-            <a:ext cx="652743" cy="334835"/>
+            <a:ext cx="591829" cy="334835"/>
           </a:xfrm>
           <a:prstGeom prst="rect">
             <a:avLst/>
@@ -7634,7 +7550,7 @@
           <a:p>
             <a:r>
               <a:rPr lang="de-AT" sz="788" dirty="0"/>
-              <a:t>[0..1] super</a:t>
+              <a:t>0..1 super</a:t>
             </a:r>
             <a:br>
               <a:rPr lang="de-AT" sz="788" dirty="0"/>
@@ -7661,7 +7577,7 @@
         <p:spPr>
           <a:xfrm>
             <a:off x="2920313" y="6365980"/>
-            <a:ext cx="763351" cy="334835"/>
+            <a:ext cx="702436" cy="334835"/>
           </a:xfrm>
           <a:prstGeom prst="rect">
             <a:avLst/>
@@ -7683,7 +7599,7 @@
           <a:p>
             <a:r>
               <a:rPr lang="de-AT" sz="788" dirty="0"/>
-              <a:t>[0..1] </a:t>
+              <a:t>0..1 </a:t>
             </a:r>
             <a:r>
               <a:rPr lang="de-AT" sz="788" dirty="0" err="1"/>
@@ -7818,7 +7734,7 @@
         <p:spPr>
           <a:xfrm>
             <a:off x="4677487" y="5486456"/>
-            <a:ext cx="753732" cy="213585"/>
+            <a:ext cx="692818" cy="213585"/>
           </a:xfrm>
           <a:prstGeom prst="rect">
             <a:avLst/>
@@ -7840,7 +7756,7 @@
           <a:p>
             <a:r>
               <a:rPr lang="de-AT" sz="788" dirty="0"/>
-              <a:t>[*] </a:t>
+              <a:t>* </a:t>
             </a:r>
             <a:r>
               <a:rPr lang="de-AT" sz="788" dirty="0" err="1"/>
@@ -8000,9 +7916,9 @@
         <p:grpSpPr>
           <a:xfrm>
             <a:off x="1460688" y="8244741"/>
-            <a:ext cx="1275750" cy="484414"/>
+            <a:ext cx="1275750" cy="487988"/>
             <a:chOff x="6014721" y="2009063"/>
-            <a:chExt cx="2529840" cy="587275"/>
+            <a:chExt cx="2529840" cy="591608"/>
           </a:xfrm>
         </p:grpSpPr>
         <p:sp>
@@ -8084,7 +8000,7 @@
           <p:spPr>
             <a:xfrm>
               <a:off x="6014721" y="2316696"/>
-              <a:ext cx="2529840" cy="279642"/>
+              <a:ext cx="2529840" cy="283975"/>
             </a:xfrm>
             <a:prstGeom prst="rect">
               <a:avLst/>
@@ -8119,18 +8035,11 @@
             <a:lstStyle/>
             <a:p>
               <a:r>
-                <a:rPr lang="de-AT" sz="900" i="1" dirty="0">
-                  <a:latin typeface="Arial" panose="020B0604020202020204" pitchFamily="34" charset="0"/>
-                  <a:cs typeface="Arial" panose="020B0604020202020204" pitchFamily="34" charset="0"/>
-                </a:rPr>
-                <a:t>String</a:t>
-              </a:r>
-              <a:r>
                 <a:rPr lang="de-AT" sz="900" dirty="0">
                   <a:latin typeface="Arial" panose="020B0604020202020204" pitchFamily="34" charset="0"/>
                   <a:cs typeface="Arial" panose="020B0604020202020204" pitchFamily="34" charset="0"/>
                 </a:rPr>
-                <a:t> </a:t>
+                <a:t>String </a:t>
               </a:r>
               <a:r>
                 <a:rPr lang="de-AT" sz="900" dirty="0" err="1">
@@ -8281,18 +8190,11 @@
             <a:lstStyle/>
             <a:p>
               <a:r>
-                <a:rPr lang="de-AT" sz="900" i="1" dirty="0">
-                  <a:latin typeface="Arial" panose="020B0604020202020204" pitchFamily="34" charset="0"/>
-                  <a:cs typeface="Arial" panose="020B0604020202020204" pitchFamily="34" charset="0"/>
-                </a:rPr>
-                <a:t>String</a:t>
-              </a:r>
-              <a:r>
                 <a:rPr lang="de-AT" sz="900" dirty="0">
                   <a:latin typeface="Arial" panose="020B0604020202020204" pitchFamily="34" charset="0"/>
                   <a:cs typeface="Arial" panose="020B0604020202020204" pitchFamily="34" charset="0"/>
                 </a:rPr>
-                <a:t> </a:t>
+                <a:t>String </a:t>
               </a:r>
               <a:r>
                 <a:rPr lang="de-AT" sz="900" dirty="0" err="1">
@@ -8308,18 +8210,11 @@
             </a:p>
             <a:p>
               <a:r>
-                <a:rPr lang="de-AT" sz="900" i="1" dirty="0">
-                  <a:latin typeface="Arial" panose="020B0604020202020204" pitchFamily="34" charset="0"/>
-                  <a:cs typeface="Arial" panose="020B0604020202020204" pitchFamily="34" charset="0"/>
-                </a:rPr>
-                <a:t>String</a:t>
-              </a:r>
-              <a:r>
                 <a:rPr lang="de-AT" sz="900" dirty="0">
                   <a:latin typeface="Arial" panose="020B0604020202020204" pitchFamily="34" charset="0"/>
                   <a:cs typeface="Arial" panose="020B0604020202020204" pitchFamily="34" charset="0"/>
                 </a:rPr>
-                <a:t> </a:t>
+                <a:t>String </a:t>
               </a:r>
               <a:r>
                 <a:rPr lang="de-AT" sz="900" dirty="0" err="1">
@@ -8335,18 +8230,11 @@
             </a:p>
             <a:p>
               <a:r>
-                <a:rPr lang="de-AT" sz="900" i="1" dirty="0">
-                  <a:latin typeface="Arial" panose="020B0604020202020204" pitchFamily="34" charset="0"/>
-                  <a:cs typeface="Arial" panose="020B0604020202020204" pitchFamily="34" charset="0"/>
-                </a:rPr>
-                <a:t>Boolean</a:t>
-              </a:r>
-              <a:r>
                 <a:rPr lang="de-AT" sz="900" dirty="0">
                   <a:latin typeface="Arial" panose="020B0604020202020204" pitchFamily="34" charset="0"/>
                   <a:cs typeface="Arial" panose="020B0604020202020204" pitchFamily="34" charset="0"/>
                 </a:rPr>
-                <a:t> </a:t>
+                <a:t>Boolean </a:t>
               </a:r>
               <a:r>
                 <a:rPr lang="de-AT" sz="900" dirty="0" err="1">
@@ -8362,18 +8250,11 @@
             </a:p>
             <a:p>
               <a:r>
-                <a:rPr lang="de-AT" sz="900" i="1" dirty="0">
-                  <a:latin typeface="Arial" panose="020B0604020202020204" pitchFamily="34" charset="0"/>
-                  <a:cs typeface="Arial" panose="020B0604020202020204" pitchFamily="34" charset="0"/>
-                </a:rPr>
-                <a:t>Boolean</a:t>
-              </a:r>
-              <a:r>
                 <a:rPr lang="de-AT" sz="900" dirty="0">
                   <a:latin typeface="Arial" panose="020B0604020202020204" pitchFamily="34" charset="0"/>
                   <a:cs typeface="Arial" panose="020B0604020202020204" pitchFamily="34" charset="0"/>
                 </a:rPr>
-                <a:t> </a:t>
+                <a:t>Boolean </a:t>
               </a:r>
               <a:r>
                 <a:rPr lang="de-AT" sz="900" dirty="0" err="1">
@@ -8389,18 +8270,11 @@
             </a:p>
             <a:p>
               <a:r>
-                <a:rPr lang="de-AT" sz="900" i="1" dirty="0">
-                  <a:latin typeface="Arial" panose="020B0604020202020204" pitchFamily="34" charset="0"/>
-                  <a:cs typeface="Arial" panose="020B0604020202020204" pitchFamily="34" charset="0"/>
-                </a:rPr>
-                <a:t>Presence</a:t>
-              </a:r>
-              <a:r>
                 <a:rPr lang="de-AT" sz="900" dirty="0">
                   <a:latin typeface="Arial" panose="020B0604020202020204" pitchFamily="34" charset="0"/>
                   <a:cs typeface="Arial" panose="020B0604020202020204" pitchFamily="34" charset="0"/>
                 </a:rPr>
-                <a:t> </a:t>
+                <a:t>Presence </a:t>
               </a:r>
               <a:r>
                 <a:rPr lang="de-AT" sz="900" dirty="0" err="1">
@@ -8416,7 +8290,7 @@
             </a:p>
             <a:p>
               <a:r>
-                <a:rPr lang="de-AT" sz="900" i="1" dirty="0" err="1">
+                <a:rPr lang="de-AT" sz="900" dirty="0" err="1">
                   <a:latin typeface="Arial" panose="020B0604020202020204" pitchFamily="34" charset="0"/>
                   <a:cs typeface="Arial" panose="020B0604020202020204" pitchFamily="34" charset="0"/>
                 </a:rPr>
@@ -8443,11 +8317,11 @@
             </a:p>
             <a:p>
               <a:r>
-                <a:rPr lang="de-AT" sz="900" i="1" dirty="0">
-                  <a:latin typeface="Arial" panose="020B0604020202020204" pitchFamily="34" charset="0"/>
-                  <a:cs typeface="Arial" panose="020B0604020202020204" pitchFamily="34" charset="0"/>
-                </a:rPr>
-                <a:t>List&lt;Param&gt; </a:t>
+                <a:rPr lang="de-AT" sz="900" dirty="0">
+                  <a:latin typeface="Arial" panose="020B0604020202020204" pitchFamily="34" charset="0"/>
+                  <a:cs typeface="Arial" panose="020B0604020202020204" pitchFamily="34" charset="0"/>
+                </a:rPr>
+                <a:t>Param[0..*] </a:t>
               </a:r>
               <a:r>
                 <a:rPr lang="de-AT" sz="900" dirty="0" err="1">
@@ -8481,10 +8355,10 @@
         </p:nvGrpSpPr>
         <p:grpSpPr>
           <a:xfrm>
-            <a:off x="4220214" y="7837621"/>
-            <a:ext cx="1275750" cy="1668689"/>
-            <a:chOff x="6014721" y="2009063"/>
-            <a:chExt cx="2529840" cy="2023010"/>
+            <a:off x="4220213" y="7837621"/>
+            <a:ext cx="1418587" cy="2001704"/>
+            <a:chOff x="6014719" y="2009063"/>
+            <a:chExt cx="2813089" cy="1861345"/>
           </a:xfrm>
         </p:grpSpPr>
         <p:sp>
@@ -8501,8 +8375,8 @@
           </p:nvSpPr>
           <p:spPr>
             <a:xfrm>
-              <a:off x="6014721" y="2009063"/>
-              <a:ext cx="2529840" cy="305508"/>
+              <a:off x="6014719" y="2009063"/>
+              <a:ext cx="2813085" cy="305508"/>
             </a:xfrm>
             <a:prstGeom prst="rect">
               <a:avLst/>
@@ -8566,7 +8440,7 @@
           <p:spPr>
             <a:xfrm>
               <a:off x="6014721" y="2313588"/>
-              <a:ext cx="2529840" cy="1718485"/>
+              <a:ext cx="2813087" cy="1556820"/>
             </a:xfrm>
             <a:prstGeom prst="rect">
               <a:avLst/>
@@ -8601,7 +8475,7 @@
             <a:lstStyle/>
             <a:p>
               <a:r>
-                <a:rPr lang="de-AT" sz="900" i="1" dirty="0" err="1">
+                <a:rPr lang="de-AT" sz="900" dirty="0" err="1">
                   <a:latin typeface="Arial" panose="020B0604020202020204" pitchFamily="34" charset="0"/>
                   <a:cs typeface="Arial" panose="020B0604020202020204" pitchFamily="34" charset="0"/>
                 </a:rPr>
@@ -8628,34 +8502,11 @@
             </a:p>
             <a:p>
               <a:r>
-                <a:rPr lang="de-AT" sz="900" i="1" dirty="0" err="1">
-                  <a:latin typeface="Arial" panose="020B0604020202020204" pitchFamily="34" charset="0"/>
-                  <a:cs typeface="Arial" panose="020B0604020202020204" pitchFamily="34" charset="0"/>
-                </a:rPr>
-                <a:t>PropertyType</a:t>
-              </a:r>
-              <a:r>
                 <a:rPr lang="de-AT" sz="900" dirty="0">
                   <a:latin typeface="Arial" panose="020B0604020202020204" pitchFamily="34" charset="0"/>
                   <a:cs typeface="Arial" panose="020B0604020202020204" pitchFamily="34" charset="0"/>
                 </a:rPr>
-                <a:t> type</a:t>
-              </a:r>
-            </a:p>
-            <a:p>
-              <a:r>
-                <a:rPr lang="de-AT" sz="900" i="1" dirty="0">
-                  <a:latin typeface="Arial" panose="020B0604020202020204" pitchFamily="34" charset="0"/>
-                  <a:cs typeface="Arial" panose="020B0604020202020204" pitchFamily="34" charset="0"/>
-                </a:rPr>
-                <a:t>Boolean</a:t>
-              </a:r>
-              <a:r>
-                <a:rPr lang="de-AT" sz="900" dirty="0">
-                  <a:latin typeface="Arial" panose="020B0604020202020204" pitchFamily="34" charset="0"/>
-                  <a:cs typeface="Arial" panose="020B0604020202020204" pitchFamily="34" charset="0"/>
-                </a:rPr>
-                <a:t> </a:t>
+                <a:t>Boolean </a:t>
               </a:r>
               <a:r>
                 <a:rPr lang="de-AT" sz="900" dirty="0" err="1">
@@ -8671,18 +8522,11 @@
             </a:p>
             <a:p>
               <a:r>
-                <a:rPr lang="de-AT" sz="900" i="1" dirty="0">
-                  <a:latin typeface="Arial" panose="020B0604020202020204" pitchFamily="34" charset="0"/>
-                  <a:cs typeface="Arial" panose="020B0604020202020204" pitchFamily="34" charset="0"/>
-                </a:rPr>
-                <a:t>String</a:t>
-              </a:r>
-              <a:r>
                 <a:rPr lang="de-AT" sz="900" dirty="0">
                   <a:latin typeface="Arial" panose="020B0604020202020204" pitchFamily="34" charset="0"/>
                   <a:cs typeface="Arial" panose="020B0604020202020204" pitchFamily="34" charset="0"/>
                 </a:rPr>
-                <a:t> </a:t>
+                <a:t>String </a:t>
               </a:r>
               <a:r>
                 <a:rPr lang="de-AT" sz="900" dirty="0" err="1">
@@ -8698,18 +8542,11 @@
             </a:p>
             <a:p>
               <a:r>
-                <a:rPr lang="de-AT" sz="900" i="1" dirty="0">
-                  <a:latin typeface="Arial" panose="020B0604020202020204" pitchFamily="34" charset="0"/>
-                  <a:cs typeface="Arial" panose="020B0604020202020204" pitchFamily="34" charset="0"/>
-                </a:rPr>
-                <a:t>Boolean</a:t>
-              </a:r>
-              <a:r>
                 <a:rPr lang="de-AT" sz="900" dirty="0">
                   <a:latin typeface="Arial" panose="020B0604020202020204" pitchFamily="34" charset="0"/>
                   <a:cs typeface="Arial" panose="020B0604020202020204" pitchFamily="34" charset="0"/>
                 </a:rPr>
-                <a:t> </a:t>
+                <a:t>Boolean </a:t>
               </a:r>
               <a:r>
                 <a:rPr lang="de-AT" sz="900" dirty="0" err="1">
@@ -8725,18 +8562,11 @@
             </a:p>
             <a:p>
               <a:r>
-                <a:rPr lang="de-AT" sz="900" i="1" dirty="0">
-                  <a:latin typeface="Arial" panose="020B0604020202020204" pitchFamily="34" charset="0"/>
-                  <a:cs typeface="Arial" panose="020B0604020202020204" pitchFamily="34" charset="0"/>
-                </a:rPr>
-                <a:t>String</a:t>
-              </a:r>
-              <a:r>
                 <a:rPr lang="de-AT" sz="900" dirty="0">
                   <a:latin typeface="Arial" panose="020B0604020202020204" pitchFamily="34" charset="0"/>
                   <a:cs typeface="Arial" panose="020B0604020202020204" pitchFamily="34" charset="0"/>
                 </a:rPr>
-                <a:t> </a:t>
+                <a:t>String </a:t>
               </a:r>
               <a:r>
                 <a:rPr lang="de-AT" sz="900" dirty="0" err="1">
@@ -8752,25 +8582,18 @@
             </a:p>
             <a:p>
               <a:r>
-                <a:rPr lang="de-AT" sz="900" i="1" dirty="0" err="1">
-                  <a:latin typeface="Arial" panose="020B0604020202020204" pitchFamily="34" charset="0"/>
-                  <a:cs typeface="Arial" panose="020B0604020202020204" pitchFamily="34" charset="0"/>
-                </a:rPr>
-                <a:t>PropertyAttribute</a:t>
-              </a:r>
-              <a:r>
                 <a:rPr lang="de-AT" sz="900" dirty="0">
                   <a:latin typeface="Arial" panose="020B0604020202020204" pitchFamily="34" charset="0"/>
                   <a:cs typeface="Arial" panose="020B0604020202020204" pitchFamily="34" charset="0"/>
                 </a:rPr>
-                <a:t> </a:t>
+                <a:t>Boolean </a:t>
               </a:r>
               <a:r>
                 <a:rPr lang="de-AT" sz="900" dirty="0" err="1">
                   <a:latin typeface="Arial" panose="020B0604020202020204" pitchFamily="34" charset="0"/>
                   <a:cs typeface="Arial" panose="020B0604020202020204" pitchFamily="34" charset="0"/>
                 </a:rPr>
-                <a:t>propertyAttribute</a:t>
+                <a:t>isWritable</a:t>
               </a:r>
               <a:endParaRPr lang="de-AT" sz="900" dirty="0">
                 <a:latin typeface="Arial" panose="020B0604020202020204" pitchFamily="34" charset="0"/>
@@ -8779,30 +8602,99 @@
             </a:p>
             <a:p>
               <a:r>
-                <a:rPr lang="de-AT" sz="900" i="1" dirty="0">
-                  <a:latin typeface="Arial" panose="020B0604020202020204" pitchFamily="34" charset="0"/>
-                  <a:cs typeface="Arial" panose="020B0604020202020204" pitchFamily="34" charset="0"/>
-                </a:rPr>
-                <a:t>Presence</a:t>
-              </a:r>
-              <a:r>
                 <a:rPr lang="de-AT" sz="900" dirty="0">
                   <a:latin typeface="Arial" panose="020B0604020202020204" pitchFamily="34" charset="0"/>
                   <a:cs typeface="Arial" panose="020B0604020202020204" pitchFamily="34" charset="0"/>
                 </a:rPr>
-                <a:t> </a:t>
+                <a:t>Boolean </a:t>
               </a:r>
               <a:r>
                 <a:rPr lang="de-AT" sz="900" dirty="0" err="1">
                   <a:latin typeface="Arial" panose="020B0604020202020204" pitchFamily="34" charset="0"/>
                   <a:cs typeface="Arial" panose="020B0604020202020204" pitchFamily="34" charset="0"/>
                 </a:rPr>
+                <a:t>isReadable</a:t>
+              </a:r>
+              <a:endParaRPr lang="de-AT" sz="900" dirty="0">
+                <a:latin typeface="Arial" panose="020B0604020202020204" pitchFamily="34" charset="0"/>
+                <a:cs typeface="Arial" panose="020B0604020202020204" pitchFamily="34" charset="0"/>
+              </a:endParaRPr>
+            </a:p>
+            <a:p>
+              <a:r>
+                <a:rPr lang="de-AT" sz="900" dirty="0">
+                  <a:latin typeface="Arial" panose="020B0604020202020204" pitchFamily="34" charset="0"/>
+                  <a:cs typeface="Arial" panose="020B0604020202020204" pitchFamily="34" charset="0"/>
+                </a:rPr>
+                <a:t>Boolean </a:t>
+              </a:r>
+              <a:r>
+                <a:rPr lang="de-AT" sz="900" dirty="0" err="1">
+                  <a:latin typeface="Arial" panose="020B0604020202020204" pitchFamily="34" charset="0"/>
+                  <a:cs typeface="Arial" panose="020B0604020202020204" pitchFamily="34" charset="0"/>
+                </a:rPr>
+                <a:t>isEventable</a:t>
+              </a:r>
+              <a:endParaRPr lang="de-AT" sz="900" dirty="0">
+                <a:latin typeface="Arial" panose="020B0604020202020204" pitchFamily="34" charset="0"/>
+                <a:cs typeface="Arial" panose="020B0604020202020204" pitchFamily="34" charset="0"/>
+              </a:endParaRPr>
+            </a:p>
+            <a:p>
+              <a:r>
+                <a:rPr lang="de-AT" sz="900" dirty="0">
+                  <a:latin typeface="Arial" panose="020B0604020202020204" pitchFamily="34" charset="0"/>
+                  <a:cs typeface="Arial" panose="020B0604020202020204" pitchFamily="34" charset="0"/>
+                </a:rPr>
+                <a:t>Unit </a:t>
+              </a:r>
+              <a:r>
+                <a:rPr lang="de-AT" sz="900" dirty="0" err="1">
+                  <a:latin typeface="Arial" panose="020B0604020202020204" pitchFamily="34" charset="0"/>
+                  <a:cs typeface="Arial" panose="020B0604020202020204" pitchFamily="34" charset="0"/>
+                </a:rPr>
+                <a:t>measurementUnit</a:t>
+              </a:r>
+              <a:endParaRPr lang="de-AT" sz="900" dirty="0">
+                <a:latin typeface="Arial" panose="020B0604020202020204" pitchFamily="34" charset="0"/>
+                <a:cs typeface="Arial" panose="020B0604020202020204" pitchFamily="34" charset="0"/>
+              </a:endParaRPr>
+            </a:p>
+            <a:p>
+              <a:r>
+                <a:rPr lang="de-AT" sz="900" dirty="0">
+                  <a:latin typeface="Arial" panose="020B0604020202020204" pitchFamily="34" charset="0"/>
+                  <a:cs typeface="Arial" panose="020B0604020202020204" pitchFamily="34" charset="0"/>
+                </a:rPr>
+                <a:t>Presence </a:t>
+              </a:r>
+              <a:r>
+                <a:rPr lang="de-AT" sz="900" dirty="0" err="1">
+                  <a:latin typeface="Arial" panose="020B0604020202020204" pitchFamily="34" charset="0"/>
+                  <a:cs typeface="Arial" panose="020B0604020202020204" pitchFamily="34" charset="0"/>
+                </a:rPr>
                 <a:t>presence</a:t>
               </a:r>
               <a:endParaRPr lang="de-AT" sz="900" dirty="0">
                 <a:latin typeface="Arial" panose="020B0604020202020204" pitchFamily="34" charset="0"/>
                 <a:cs typeface="Arial" panose="020B0604020202020204" pitchFamily="34" charset="0"/>
               </a:endParaRPr>
+            </a:p>
+            <a:p>
+              <a:r>
+                <a:rPr lang="de-AT" sz="900" dirty="0" err="1">
+                  <a:latin typeface="Arial" panose="020B0604020202020204" pitchFamily="34" charset="0"/>
+                  <a:cs typeface="Arial" panose="020B0604020202020204" pitchFamily="34" charset="0"/>
+                </a:rPr>
+                <a:t>PropertyType</a:t>
+              </a:r>
+              <a:r>
+                <a:rPr lang="de-AT" sz="900" dirty="0">
+                  <a:latin typeface="Arial" panose="020B0604020202020204" pitchFamily="34" charset="0"/>
+                  <a:cs typeface="Arial" panose="020B0604020202020204" pitchFamily="34" charset="0"/>
+                </a:rPr>
+                <a:t> type</a:t>
+              </a:r>
             </a:p>
           </p:txBody>
         </p:sp>
@@ -8821,10 +8713,10 @@
         </p:nvGrpSpPr>
         <p:grpSpPr>
           <a:xfrm rot="16200000">
-            <a:off x="3686453" y="6665986"/>
-            <a:ext cx="1058433" cy="1284840"/>
-            <a:chOff x="4702796" y="-5331723"/>
-            <a:chExt cx="1645035" cy="3680486"/>
+            <a:off x="3722161" y="6630274"/>
+            <a:ext cx="1058433" cy="1356257"/>
+            <a:chOff x="4702797" y="-5331723"/>
+            <a:chExt cx="1645034" cy="3885063"/>
           </a:xfrm>
         </p:grpSpPr>
         <p:sp>
@@ -8890,8 +8782,8 @@
           </p:nvCxnSpPr>
           <p:spPr>
             <a:xfrm rot="5400000">
-              <a:off x="3839895" y="-4080490"/>
-              <a:ext cx="3292154" cy="1566351"/>
+              <a:off x="3737606" y="-3978202"/>
+              <a:ext cx="3496733" cy="1566352"/>
             </a:xfrm>
             <a:prstGeom prst="bentConnector2">
               <a:avLst/>
@@ -8923,10 +8815,10 @@
         </p:nvGrpSpPr>
         <p:grpSpPr>
           <a:xfrm rot="16200000">
-            <a:off x="3792991" y="6772524"/>
-            <a:ext cx="837674" cy="1292523"/>
-            <a:chOff x="5005291" y="-5362246"/>
-            <a:chExt cx="1301922" cy="3702482"/>
+            <a:off x="3828698" y="6736813"/>
+            <a:ext cx="837676" cy="1363940"/>
+            <a:chOff x="5005289" y="-5362246"/>
+            <a:chExt cx="1301924" cy="3907058"/>
           </a:xfrm>
         </p:grpSpPr>
         <p:sp>
@@ -8992,8 +8884,8 @@
           </p:nvCxnSpPr>
           <p:spPr>
             <a:xfrm rot="5400000">
-              <a:off x="3959835" y="-3928460"/>
-              <a:ext cx="3314152" cy="1223240"/>
+              <a:off x="3857548" y="-3826171"/>
+              <a:ext cx="3518724" cy="1223242"/>
             </a:xfrm>
             <a:prstGeom prst="bentConnector2">
               <a:avLst/>
@@ -9025,10 +8917,10 @@
         </p:nvGrpSpPr>
         <p:grpSpPr>
           <a:xfrm rot="16200000">
-            <a:off x="3884339" y="6863871"/>
-            <a:ext cx="655648" cy="1291851"/>
-            <a:chOff x="5348577" y="-5272419"/>
-            <a:chExt cx="1019009" cy="3677026"/>
+            <a:off x="3913698" y="6821813"/>
+            <a:ext cx="664735" cy="1366881"/>
+            <a:chOff x="5586334" y="-5460212"/>
+            <a:chExt cx="1033132" cy="3890586"/>
           </a:xfrm>
         </p:grpSpPr>
         <p:sp>
@@ -9045,8 +8937,8 @@
           </p:nvSpPr>
           <p:spPr>
             <a:xfrm flipH="1">
-              <a:off x="6210221" y="-5272419"/>
-              <a:ext cx="157365" cy="388332"/>
+              <a:off x="6462102" y="-5460212"/>
+              <a:ext cx="157364" cy="388332"/>
             </a:xfrm>
             <a:prstGeom prst="diamond">
               <a:avLst/>
@@ -9094,8 +8986,8 @@
           </p:nvCxnSpPr>
           <p:spPr>
             <a:xfrm rot="5400000">
-              <a:off x="4174393" y="-3709903"/>
-              <a:ext cx="3288694" cy="940326"/>
+              <a:off x="4312432" y="-3797977"/>
+              <a:ext cx="3502253" cy="954449"/>
             </a:xfrm>
             <a:prstGeom prst="bentConnector2">
               <a:avLst/>
@@ -9128,7 +9020,7 @@
         <p:spPr>
           <a:xfrm>
             <a:off x="3632159" y="7068457"/>
-            <a:ext cx="566181" cy="213585"/>
+            <a:ext cx="505267" cy="213585"/>
           </a:xfrm>
           <a:prstGeom prst="rect">
             <a:avLst/>
@@ -9143,7 +9035,7 @@
           <a:p>
             <a:r>
               <a:rPr lang="de-AT" sz="788" dirty="0"/>
-              <a:t>[*] </a:t>
+              <a:t>* </a:t>
             </a:r>
             <a:r>
               <a:rPr lang="de-AT" sz="788" dirty="0" err="1"/>
@@ -9168,7 +9060,7 @@
         <p:spPr>
           <a:xfrm>
             <a:off x="3642910" y="6650531"/>
-            <a:ext cx="505267" cy="213585"/>
+            <a:ext cx="444352" cy="213585"/>
           </a:xfrm>
           <a:prstGeom prst="rect">
             <a:avLst/>
@@ -9183,7 +9075,7 @@
           <a:p>
             <a:r>
               <a:rPr lang="de-AT" sz="788" dirty="0"/>
-              <a:t>[*] fault</a:t>
+              <a:t>* fault</a:t>
             </a:r>
             <a:endParaRPr lang="de-AT" sz="1013" dirty="0"/>
           </a:p>
@@ -9204,7 +9096,7 @@
         <p:spPr>
           <a:xfrm>
             <a:off x="3633346" y="6865876"/>
-            <a:ext cx="865943" cy="213585"/>
+            <a:ext cx="805029" cy="213585"/>
           </a:xfrm>
           <a:prstGeom prst="rect">
             <a:avLst/>
@@ -9219,7 +9111,7 @@
           <a:p>
             <a:r>
               <a:rPr lang="de-AT" sz="788" dirty="0"/>
-              <a:t>[*] </a:t>
+              <a:t>* </a:t>
             </a:r>
             <a:r>
               <a:rPr lang="de-AT" sz="788" dirty="0" err="1"/>
@@ -9462,10 +9354,10 @@
         </p:nvGrpSpPr>
         <p:grpSpPr>
           <a:xfrm>
-            <a:off x="1928175" y="8748475"/>
-            <a:ext cx="2929914" cy="757834"/>
-            <a:chOff x="5477574" y="-1602042"/>
-            <a:chExt cx="4553672" cy="2128323"/>
+            <a:off x="1979747" y="8766774"/>
+            <a:ext cx="2949760" cy="1072550"/>
+            <a:chOff x="5828984" y="-1550651"/>
+            <a:chExt cx="4584518" cy="3012176"/>
           </a:xfrm>
         </p:grpSpPr>
         <p:sp>
@@ -9482,8 +9374,8 @@
           </p:nvSpPr>
           <p:spPr>
             <a:xfrm flipH="1">
-              <a:off x="5477574" y="-1602042"/>
-              <a:ext cx="157363" cy="398095"/>
+              <a:off x="5828984" y="-1550651"/>
+              <a:ext cx="157363" cy="398094"/>
             </a:xfrm>
             <a:prstGeom prst="diamond">
               <a:avLst/>
@@ -9541,12 +9433,12 @@
           </p:nvCxnSpPr>
           <p:spPr>
             <a:xfrm rot="16200000" flipH="1">
-              <a:off x="6928635" y="-2576330"/>
-              <a:ext cx="1730231" cy="4474991"/>
+              <a:off x="6853542" y="-2098436"/>
+              <a:ext cx="2614084" cy="4505837"/>
             </a:xfrm>
             <a:prstGeom prst="bentConnector3">
               <a:avLst>
-                <a:gd name="adj1" fmla="val 137105"/>
+                <a:gd name="adj1" fmla="val 124559"/>
               </a:avLst>
             </a:prstGeom>
             <a:noFill/>
@@ -9577,7 +9469,7 @@
         <p:spPr>
           <a:xfrm>
             <a:off x="1881787" y="7921169"/>
-            <a:ext cx="295274" cy="213585"/>
+            <a:ext cx="234360" cy="213585"/>
           </a:xfrm>
           <a:prstGeom prst="rect">
             <a:avLst/>
@@ -9592,7 +9484,7 @@
           <a:p>
             <a:r>
               <a:rPr lang="de-AT" sz="788" dirty="0"/>
-              <a:t>[*]</a:t>
+              <a:t>*</a:t>
             </a:r>
             <a:endParaRPr lang="de-AT" sz="1013" dirty="0"/>
           </a:p>
@@ -9613,7 +9505,7 @@
         <p:spPr>
           <a:xfrm>
             <a:off x="3420928" y="7689229"/>
-            <a:ext cx="295274" cy="213585"/>
+            <a:ext cx="234360" cy="213585"/>
           </a:xfrm>
           <a:prstGeom prst="rect">
             <a:avLst/>
@@ -9628,7 +9520,7 @@
           <a:p>
             <a:r>
               <a:rPr lang="de-AT" sz="788" dirty="0"/>
-              <a:t>[*]</a:t>
+              <a:t>*</a:t>
             </a:r>
             <a:endParaRPr lang="de-AT" sz="1013" dirty="0"/>
           </a:p>
@@ -9648,7 +9540,7 @@
         </p:nvSpPr>
         <p:spPr>
           <a:xfrm>
-            <a:off x="4455086" y="9477730"/>
+            <a:off x="4656487" y="9839325"/>
             <a:ext cx="397866" cy="213585"/>
           </a:xfrm>
           <a:prstGeom prst="rect">
@@ -9664,7 +9556,7 @@
           <a:p>
             <a:r>
               <a:rPr lang="de-AT" sz="788" dirty="0"/>
-              <a:t>[*]</a:t>
+              <a:t>*</a:t>
             </a:r>
             <a:endParaRPr lang="de-AT" sz="1013" dirty="0"/>
           </a:p>
@@ -9686,6 +9578,51 @@
           <a:xfrm flipH="1">
             <a:off x="2900893" y="6172805"/>
             <a:ext cx="101250" cy="141750"/>
+          </a:xfrm>
+          <a:prstGeom prst="diamond">
+            <a:avLst/>
+          </a:prstGeom>
+          <a:solidFill>
+            <a:schemeClr val="tx1"/>
+          </a:solidFill>
+          <a:ln w="12700" cap="flat" cmpd="sng">
+            <a:solidFill>
+              <a:schemeClr val="dk1"/>
+            </a:solidFill>
+            <a:prstDash val="solid"/>
+            <a:miter lim="800000"/>
+            <a:headEnd type="none" w="sm" len="sm"/>
+            <a:tailEnd type="triangle" w="lg" len="lg"/>
+          </a:ln>
+        </p:spPr>
+        <p:txBody>
+          <a:bodyPr rtlCol="0" anchor="ctr"/>
+          <a:lstStyle/>
+          <a:p>
+            <a:pPr algn="ctr"/>
+            <a:endParaRPr lang="de-AT" sz="1013" dirty="0">
+              <a:latin typeface="Arial" panose="020B0604020202020204" pitchFamily="34" charset="0"/>
+              <a:cs typeface="Arial" panose="020B0604020202020204" pitchFamily="34" charset="0"/>
+            </a:endParaRPr>
+          </a:p>
+        </p:txBody>
+      </p:sp>
+      <p:sp>
+        <p:nvSpPr>
+          <p:cNvPr id="128" name="Raute 127">
+            <a:extLst>
+              <a:ext uri="{FF2B5EF4-FFF2-40B4-BE49-F238E27FC236}">
+                <a16:creationId xmlns:a16="http://schemas.microsoft.com/office/drawing/2014/main" id="{190F6C37-765C-4A54-9306-175389298D75}"/>
+              </a:ext>
+            </a:extLst>
+          </p:cNvPr>
+          <p:cNvSpPr/>
+          <p:nvPr/>
+        </p:nvSpPr>
+        <p:spPr>
+          <a:xfrm rot="16200000" flipH="1">
+            <a:off x="1929123" y="4926142"/>
+            <a:ext cx="101251" cy="136433"/>
           </a:xfrm>
           <a:prstGeom prst="diamond">
             <a:avLst/>

--- a/Figures_Hochformat.pptx
+++ b/Figures_Hochformat.pptx
@@ -243,7 +243,7 @@
           <a:p>
             <a:fld id="{221DF790-08EF-4309-8C7D-573F11C98FD5}" type="datetimeFigureOut">
               <a:rPr lang="de-AT" smtClean="0"/>
-              <a:t>03.06.2022</a:t>
+              <a:t>08.06.2022</a:t>
             </a:fld>
             <a:endParaRPr lang="de-AT"/>
           </a:p>
@@ -413,7 +413,7 @@
           <a:p>
             <a:fld id="{221DF790-08EF-4309-8C7D-573F11C98FD5}" type="datetimeFigureOut">
               <a:rPr lang="de-AT" smtClean="0"/>
-              <a:t>03.06.2022</a:t>
+              <a:t>08.06.2022</a:t>
             </a:fld>
             <a:endParaRPr lang="de-AT"/>
           </a:p>
@@ -593,7 +593,7 @@
           <a:p>
             <a:fld id="{221DF790-08EF-4309-8C7D-573F11C98FD5}" type="datetimeFigureOut">
               <a:rPr lang="de-AT" smtClean="0"/>
-              <a:t>03.06.2022</a:t>
+              <a:t>08.06.2022</a:t>
             </a:fld>
             <a:endParaRPr lang="de-AT"/>
           </a:p>
@@ -763,7 +763,7 @@
           <a:p>
             <a:fld id="{221DF790-08EF-4309-8C7D-573F11C98FD5}" type="datetimeFigureOut">
               <a:rPr lang="de-AT" smtClean="0"/>
-              <a:t>03.06.2022</a:t>
+              <a:t>08.06.2022</a:t>
             </a:fld>
             <a:endParaRPr lang="de-AT"/>
           </a:p>
@@ -1007,7 +1007,7 @@
           <a:p>
             <a:fld id="{221DF790-08EF-4309-8C7D-573F11C98FD5}" type="datetimeFigureOut">
               <a:rPr lang="de-AT" smtClean="0"/>
-              <a:t>03.06.2022</a:t>
+              <a:t>08.06.2022</a:t>
             </a:fld>
             <a:endParaRPr lang="de-AT"/>
           </a:p>
@@ -1239,7 +1239,7 @@
           <a:p>
             <a:fld id="{221DF790-08EF-4309-8C7D-573F11C98FD5}" type="datetimeFigureOut">
               <a:rPr lang="de-AT" smtClean="0"/>
-              <a:t>03.06.2022</a:t>
+              <a:t>08.06.2022</a:t>
             </a:fld>
             <a:endParaRPr lang="de-AT"/>
           </a:p>
@@ -1606,7 +1606,7 @@
           <a:p>
             <a:fld id="{221DF790-08EF-4309-8C7D-573F11C98FD5}" type="datetimeFigureOut">
               <a:rPr lang="de-AT" smtClean="0"/>
-              <a:t>03.06.2022</a:t>
+              <a:t>08.06.2022</a:t>
             </a:fld>
             <a:endParaRPr lang="de-AT"/>
           </a:p>
@@ -1724,7 +1724,7 @@
           <a:p>
             <a:fld id="{221DF790-08EF-4309-8C7D-573F11C98FD5}" type="datetimeFigureOut">
               <a:rPr lang="de-AT" smtClean="0"/>
-              <a:t>03.06.2022</a:t>
+              <a:t>08.06.2022</a:t>
             </a:fld>
             <a:endParaRPr lang="de-AT"/>
           </a:p>
@@ -1819,7 +1819,7 @@
           <a:p>
             <a:fld id="{221DF790-08EF-4309-8C7D-573F11C98FD5}" type="datetimeFigureOut">
               <a:rPr lang="de-AT" smtClean="0"/>
-              <a:t>03.06.2022</a:t>
+              <a:t>08.06.2022</a:t>
             </a:fld>
             <a:endParaRPr lang="de-AT"/>
           </a:p>
@@ -2096,7 +2096,7 @@
           <a:p>
             <a:fld id="{221DF790-08EF-4309-8C7D-573F11C98FD5}" type="datetimeFigureOut">
               <a:rPr lang="de-AT" smtClean="0"/>
-              <a:t>03.06.2022</a:t>
+              <a:t>08.06.2022</a:t>
             </a:fld>
             <a:endParaRPr lang="de-AT"/>
           </a:p>
@@ -2353,7 +2353,7 @@
           <a:p>
             <a:fld id="{221DF790-08EF-4309-8C7D-573F11C98FD5}" type="datetimeFigureOut">
               <a:rPr lang="de-AT" smtClean="0"/>
-              <a:t>03.06.2022</a:t>
+              <a:t>08.06.2022</a:t>
             </a:fld>
             <a:endParaRPr lang="de-AT"/>
           </a:p>
@@ -2566,7 +2566,7 @@
           <a:p>
             <a:fld id="{221DF790-08EF-4309-8C7D-573F11C98FD5}" type="datetimeFigureOut">
               <a:rPr lang="de-AT" smtClean="0"/>
-              <a:t>03.06.2022</a:t>
+              <a:t>08.06.2022</a:t>
             </a:fld>
             <a:endParaRPr lang="de-AT"/>
           </a:p>
